--- a/DependencyInjection/Exercice DependencyInjection.pptx
+++ b/DependencyInjection/Exercice DependencyInjection.pptx
@@ -11,6 +11,12 @@
     <p:sldId id="258" r:id="rId5"/>
     <p:sldId id="261" r:id="rId6"/>
     <p:sldId id="262" r:id="rId7"/>
+    <p:sldId id="263" r:id="rId8"/>
+    <p:sldId id="264" r:id="rId9"/>
+    <p:sldId id="266" r:id="rId10"/>
+    <p:sldId id="265" r:id="rId11"/>
+    <p:sldId id="267" r:id="rId12"/>
+    <p:sldId id="268" r:id="rId13"/>
   </p:sldIdLst>
   <p:sldSz cx="12192000" cy="6858000"/>
   <p:notesSz cx="6858000" cy="9144000"/>
@@ -343,7 +349,7 @@
           <a:p>
             <a:fld id="{11B134D8-D55D-45EA-8DDC-C1E1F664B674}" type="datetimeFigureOut">
               <a:rPr lang="fr-FR" smtClean="0"/>
-              <a:t>22/01/2020</a:t>
+              <a:t>23/01/2020</a:t>
             </a:fld>
             <a:endParaRPr lang="fr-FR"/>
           </a:p>
@@ -551,7 +557,7 @@
           <a:p>
             <a:fld id="{11B134D8-D55D-45EA-8DDC-C1E1F664B674}" type="datetimeFigureOut">
               <a:rPr lang="fr-FR" smtClean="0"/>
-              <a:t>22/01/2020</a:t>
+              <a:t>23/01/2020</a:t>
             </a:fld>
             <a:endParaRPr lang="fr-FR"/>
           </a:p>
@@ -807,7 +813,7 @@
           <a:p>
             <a:fld id="{11B134D8-D55D-45EA-8DDC-C1E1F664B674}" type="datetimeFigureOut">
               <a:rPr lang="fr-FR" smtClean="0"/>
-              <a:t>22/01/2020</a:t>
+              <a:t>23/01/2020</a:t>
             </a:fld>
             <a:endParaRPr lang="fr-FR"/>
           </a:p>
@@ -981,7 +987,7 @@
           <a:p>
             <a:fld id="{11B134D8-D55D-45EA-8DDC-C1E1F664B674}" type="datetimeFigureOut">
               <a:rPr lang="fr-FR" smtClean="0"/>
-              <a:t>22/01/2020</a:t>
+              <a:t>23/01/2020</a:t>
             </a:fld>
             <a:endParaRPr lang="fr-FR"/>
           </a:p>
@@ -1324,7 +1330,7 @@
           <a:p>
             <a:fld id="{11B134D8-D55D-45EA-8DDC-C1E1F664B674}" type="datetimeFigureOut">
               <a:rPr lang="fr-FR" smtClean="0"/>
-              <a:t>22/01/2020</a:t>
+              <a:t>23/01/2020</a:t>
             </a:fld>
             <a:endParaRPr lang="fr-FR"/>
           </a:p>
@@ -1599,7 +1605,7 @@
           <a:p>
             <a:fld id="{11B134D8-D55D-45EA-8DDC-C1E1F664B674}" type="datetimeFigureOut">
               <a:rPr lang="fr-FR" smtClean="0"/>
-              <a:t>22/01/2020</a:t>
+              <a:t>23/01/2020</a:t>
             </a:fld>
             <a:endParaRPr lang="fr-FR"/>
           </a:p>
@@ -1983,7 +1989,7 @@
           <a:p>
             <a:fld id="{11B134D8-D55D-45EA-8DDC-C1E1F664B674}" type="datetimeFigureOut">
               <a:rPr lang="fr-FR" smtClean="0"/>
-              <a:t>22/01/2020</a:t>
+              <a:t>23/01/2020</a:t>
             </a:fld>
             <a:endParaRPr lang="fr-FR"/>
           </a:p>
@@ -2106,7 +2112,7 @@
           <a:p>
             <a:fld id="{11B134D8-D55D-45EA-8DDC-C1E1F664B674}" type="datetimeFigureOut">
               <a:rPr lang="fr-FR" smtClean="0"/>
-              <a:t>22/01/2020</a:t>
+              <a:t>23/01/2020</a:t>
             </a:fld>
             <a:endParaRPr lang="fr-FR"/>
           </a:p>
@@ -2277,7 +2283,7 @@
           <a:p>
             <a:fld id="{11B134D8-D55D-45EA-8DDC-C1E1F664B674}" type="datetimeFigureOut">
               <a:rPr lang="fr-FR" smtClean="0"/>
-              <a:t>22/01/2020</a:t>
+              <a:t>23/01/2020</a:t>
             </a:fld>
             <a:endParaRPr lang="fr-FR"/>
           </a:p>
@@ -2631,7 +2637,7 @@
           <a:p>
             <a:fld id="{11B134D8-D55D-45EA-8DDC-C1E1F664B674}" type="datetimeFigureOut">
               <a:rPr lang="fr-FR" smtClean="0"/>
-              <a:t>22/01/2020</a:t>
+              <a:t>23/01/2020</a:t>
             </a:fld>
             <a:endParaRPr lang="fr-FR"/>
           </a:p>
@@ -3018,7 +3024,7 @@
           <a:p>
             <a:fld id="{11B134D8-D55D-45EA-8DDC-C1E1F664B674}" type="datetimeFigureOut">
               <a:rPr lang="fr-FR" smtClean="0"/>
-              <a:t>22/01/2020</a:t>
+              <a:t>23/01/2020</a:t>
             </a:fld>
             <a:endParaRPr lang="fr-FR"/>
           </a:p>
@@ -3305,7 +3311,7 @@
           <a:p>
             <a:fld id="{11B134D8-D55D-45EA-8DDC-C1E1F664B674}" type="datetimeFigureOut">
               <a:rPr lang="fr-FR" smtClean="0"/>
-              <a:t>22/01/2020</a:t>
+              <a:t>23/01/2020</a:t>
             </a:fld>
             <a:endParaRPr lang="fr-FR"/>
           </a:p>
@@ -3981,6 +3987,2988 @@
 </p:sld>
 </file>
 
+<file path=ppt/slides/slide10.xml><?xml version="1.0" encoding="utf-8"?>
+<p:sld xmlns:a="http://schemas.openxmlformats.org/drawingml/2006/main" xmlns:r="http://schemas.openxmlformats.org/officeDocument/2006/relationships" xmlns:p="http://schemas.openxmlformats.org/presentationml/2006/main">
+  <p:cSld>
+    <p:spTree>
+      <p:nvGrpSpPr>
+        <p:cNvPr id="1" name=""/>
+        <p:cNvGrpSpPr/>
+        <p:nvPr/>
+      </p:nvGrpSpPr>
+      <p:grpSpPr>
+        <a:xfrm>
+          <a:off x="0" y="0"/>
+          <a:ext cx="0" cy="0"/>
+          <a:chOff x="0" y="0"/>
+          <a:chExt cx="0" cy="0"/>
+        </a:xfrm>
+      </p:grpSpPr>
+      <p:pic>
+        <p:nvPicPr>
+          <p:cNvPr id="36" name="Picture 4" descr="Résultat de recherche d'images pour &quot;maillon&quot;">
+            <a:extLst>
+              <a:ext uri="{FF2B5EF4-FFF2-40B4-BE49-F238E27FC236}">
+                <a16:creationId xmlns:a16="http://schemas.microsoft.com/office/drawing/2014/main" id="{1BADB5BC-BA25-43DE-8817-DD5C0FD85E70}"/>
+              </a:ext>
+            </a:extLst>
+          </p:cNvPr>
+          <p:cNvPicPr>
+            <a:picLocks noChangeAspect="1" noChangeArrowheads="1"/>
+          </p:cNvPicPr>
+          <p:nvPr/>
+        </p:nvPicPr>
+        <p:blipFill>
+          <a:blip r:embed="rId2">
+            <a:extLst>
+              <a:ext uri="{28A0092B-C50C-407E-A947-70E740481C1C}">
+                <a14:useLocalDpi xmlns:a14="http://schemas.microsoft.com/office/drawing/2010/main" val="0"/>
+              </a:ext>
+            </a:extLst>
+          </a:blip>
+          <a:srcRect/>
+          <a:stretch>
+            <a:fillRect/>
+          </a:stretch>
+        </p:blipFill>
+        <p:spPr bwMode="auto">
+          <a:xfrm>
+            <a:off x="3515469" y="1765313"/>
+            <a:ext cx="2383005" cy="1191503"/>
+          </a:xfrm>
+          <a:prstGeom prst="rect">
+            <a:avLst/>
+          </a:prstGeom>
+          <a:noFill/>
+          <a:extLst>
+            <a:ext uri="{909E8E84-426E-40DD-AFC4-6F175D3DCCD1}">
+              <a14:hiddenFill xmlns:a14="http://schemas.microsoft.com/office/drawing/2010/main">
+                <a:solidFill>
+                  <a:srgbClr val="FFFFFF"/>
+                </a:solidFill>
+              </a14:hiddenFill>
+            </a:ext>
+          </a:extLst>
+        </p:spPr>
+      </p:pic>
+      <p:pic>
+        <p:nvPicPr>
+          <p:cNvPr id="33" name="Picture 4" descr="Résultat de recherche d'images pour &quot;maillon&quot;">
+            <a:extLst>
+              <a:ext uri="{FF2B5EF4-FFF2-40B4-BE49-F238E27FC236}">
+                <a16:creationId xmlns:a16="http://schemas.microsoft.com/office/drawing/2014/main" id="{02DE3659-1ACB-45B0-B765-9AAA588C7DBD}"/>
+              </a:ext>
+            </a:extLst>
+          </p:cNvPr>
+          <p:cNvPicPr>
+            <a:picLocks noChangeAspect="1" noChangeArrowheads="1"/>
+          </p:cNvPicPr>
+          <p:nvPr/>
+        </p:nvPicPr>
+        <p:blipFill>
+          <a:blip r:embed="rId2">
+            <a:extLst>
+              <a:ext uri="{28A0092B-C50C-407E-A947-70E740481C1C}">
+                <a14:useLocalDpi xmlns:a14="http://schemas.microsoft.com/office/drawing/2010/main" val="0"/>
+              </a:ext>
+            </a:extLst>
+          </a:blip>
+          <a:srcRect/>
+          <a:stretch>
+            <a:fillRect/>
+          </a:stretch>
+        </p:blipFill>
+        <p:spPr bwMode="auto">
+          <a:xfrm>
+            <a:off x="3469869" y="2632269"/>
+            <a:ext cx="2383005" cy="1191503"/>
+          </a:xfrm>
+          <a:prstGeom prst="rect">
+            <a:avLst/>
+          </a:prstGeom>
+          <a:noFill/>
+          <a:extLst>
+            <a:ext uri="{909E8E84-426E-40DD-AFC4-6F175D3DCCD1}">
+              <a14:hiddenFill xmlns:a14="http://schemas.microsoft.com/office/drawing/2010/main">
+                <a:solidFill>
+                  <a:srgbClr val="FFFFFF"/>
+                </a:solidFill>
+              </a14:hiddenFill>
+            </a:ext>
+          </a:extLst>
+        </p:spPr>
+      </p:pic>
+      <p:sp>
+        <p:nvSpPr>
+          <p:cNvPr id="2" name="Titre 1">
+            <a:extLst>
+              <a:ext uri="{FF2B5EF4-FFF2-40B4-BE49-F238E27FC236}">
+                <a16:creationId xmlns:a16="http://schemas.microsoft.com/office/drawing/2014/main" id="{8E378170-2AB9-4B6A-BDA0-82E8DF835269}"/>
+              </a:ext>
+            </a:extLst>
+          </p:cNvPr>
+          <p:cNvSpPr>
+            <a:spLocks noGrp="1"/>
+          </p:cNvSpPr>
+          <p:nvPr>
+            <p:ph type="title"/>
+          </p:nvPr>
+        </p:nvSpPr>
+        <p:spPr/>
+        <p:txBody>
+          <a:bodyPr/>
+          <a:lstStyle/>
+          <a:p>
+            <a:r>
+              <a:rPr lang="fr-FR" dirty="0"/>
+              <a:t>TODO 2</a:t>
+            </a:r>
+          </a:p>
+        </p:txBody>
+      </p:sp>
+      <p:sp>
+        <p:nvSpPr>
+          <p:cNvPr id="4" name="ZoneTexte 3">
+            <a:extLst>
+              <a:ext uri="{FF2B5EF4-FFF2-40B4-BE49-F238E27FC236}">
+                <a16:creationId xmlns:a16="http://schemas.microsoft.com/office/drawing/2014/main" id="{B71CFD0C-81BC-4C87-A4A8-FB1D247B076B}"/>
+              </a:ext>
+            </a:extLst>
+          </p:cNvPr>
+          <p:cNvSpPr txBox="1"/>
+          <p:nvPr/>
+        </p:nvSpPr>
+        <p:spPr>
+          <a:xfrm>
+            <a:off x="4387516" y="1715081"/>
+            <a:ext cx="547714" cy="369332"/>
+          </a:xfrm>
+          <a:prstGeom prst="rect">
+            <a:avLst/>
+          </a:prstGeom>
+          <a:noFill/>
+        </p:spPr>
+        <p:txBody>
+          <a:bodyPr wrap="none" rtlCol="0">
+            <a:spAutoFit/>
+          </a:bodyPr>
+          <a:lstStyle/>
+          <a:p>
+            <a:r>
+              <a:rPr lang="fr-FR" dirty="0"/>
+              <a:t>Vue</a:t>
+            </a:r>
+          </a:p>
+        </p:txBody>
+      </p:sp>
+      <p:sp>
+        <p:nvSpPr>
+          <p:cNvPr id="5" name="ZoneTexte 4">
+            <a:extLst>
+              <a:ext uri="{FF2B5EF4-FFF2-40B4-BE49-F238E27FC236}">
+                <a16:creationId xmlns:a16="http://schemas.microsoft.com/office/drawing/2014/main" id="{3A4C4936-617E-4B16-BB80-5EE835781568}"/>
+              </a:ext>
+            </a:extLst>
+          </p:cNvPr>
+          <p:cNvSpPr txBox="1"/>
+          <p:nvPr/>
+        </p:nvSpPr>
+        <p:spPr>
+          <a:xfrm>
+            <a:off x="4018546" y="2622629"/>
+            <a:ext cx="1376852" cy="369332"/>
+          </a:xfrm>
+          <a:prstGeom prst="rect">
+            <a:avLst/>
+          </a:prstGeom>
+          <a:noFill/>
+        </p:spPr>
+        <p:txBody>
+          <a:bodyPr wrap="none" rtlCol="0">
+            <a:spAutoFit/>
+          </a:bodyPr>
+          <a:lstStyle/>
+          <a:p>
+            <a:r>
+              <a:rPr lang="fr-FR" dirty="0"/>
+              <a:t>Présentation</a:t>
+            </a:r>
+          </a:p>
+        </p:txBody>
+      </p:sp>
+      <p:sp>
+        <p:nvSpPr>
+          <p:cNvPr id="6" name="ZoneTexte 5">
+            <a:extLst>
+              <a:ext uri="{FF2B5EF4-FFF2-40B4-BE49-F238E27FC236}">
+                <a16:creationId xmlns:a16="http://schemas.microsoft.com/office/drawing/2014/main" id="{C8043AF5-E471-4979-A557-C72215B15C82}"/>
+              </a:ext>
+            </a:extLst>
+          </p:cNvPr>
+          <p:cNvSpPr txBox="1"/>
+          <p:nvPr/>
+        </p:nvSpPr>
+        <p:spPr>
+          <a:xfrm>
+            <a:off x="4150400" y="3530178"/>
+            <a:ext cx="1021946" cy="369332"/>
+          </a:xfrm>
+          <a:prstGeom prst="rect">
+            <a:avLst/>
+          </a:prstGeom>
+          <a:noFill/>
+        </p:spPr>
+        <p:txBody>
+          <a:bodyPr wrap="none" rtlCol="0">
+            <a:spAutoFit/>
+          </a:bodyPr>
+          <a:lstStyle/>
+          <a:p>
+            <a:r>
+              <a:rPr lang="fr-FR" dirty="0"/>
+              <a:t>Interface</a:t>
+            </a:r>
+          </a:p>
+        </p:txBody>
+      </p:sp>
+      <p:sp>
+        <p:nvSpPr>
+          <p:cNvPr id="7" name="ZoneTexte 6">
+            <a:extLst>
+              <a:ext uri="{FF2B5EF4-FFF2-40B4-BE49-F238E27FC236}">
+                <a16:creationId xmlns:a16="http://schemas.microsoft.com/office/drawing/2014/main" id="{ACFCE17F-7B8A-4B15-BCCE-72B956622D38}"/>
+              </a:ext>
+            </a:extLst>
+          </p:cNvPr>
+          <p:cNvSpPr txBox="1"/>
+          <p:nvPr/>
+        </p:nvSpPr>
+        <p:spPr>
+          <a:xfrm>
+            <a:off x="890337" y="4688123"/>
+            <a:ext cx="1916102" cy="369332"/>
+          </a:xfrm>
+          <a:prstGeom prst="rect">
+            <a:avLst/>
+          </a:prstGeom>
+          <a:noFill/>
+        </p:spPr>
+        <p:txBody>
+          <a:bodyPr wrap="none" rtlCol="0">
+            <a:spAutoFit/>
+          </a:bodyPr>
+          <a:lstStyle/>
+          <a:p>
+            <a:r>
+              <a:rPr lang="fr-FR" dirty="0"/>
+              <a:t>Service Repository</a:t>
+            </a:r>
+          </a:p>
+        </p:txBody>
+      </p:sp>
+      <p:sp>
+        <p:nvSpPr>
+          <p:cNvPr id="8" name="ZoneTexte 7">
+            <a:extLst>
+              <a:ext uri="{FF2B5EF4-FFF2-40B4-BE49-F238E27FC236}">
+                <a16:creationId xmlns:a16="http://schemas.microsoft.com/office/drawing/2014/main" id="{820C0E42-0F83-426C-B965-3F163F0D3C9A}"/>
+              </a:ext>
+            </a:extLst>
+          </p:cNvPr>
+          <p:cNvSpPr txBox="1"/>
+          <p:nvPr/>
+        </p:nvSpPr>
+        <p:spPr>
+          <a:xfrm>
+            <a:off x="3860673" y="4688123"/>
+            <a:ext cx="1601400" cy="369332"/>
+          </a:xfrm>
+          <a:prstGeom prst="rect">
+            <a:avLst/>
+          </a:prstGeom>
+          <a:noFill/>
+        </p:spPr>
+        <p:txBody>
+          <a:bodyPr wrap="none" rtlCol="0">
+            <a:spAutoFit/>
+          </a:bodyPr>
+          <a:lstStyle/>
+          <a:p>
+            <a:r>
+              <a:rPr lang="fr-FR" dirty="0"/>
+              <a:t>CSV Repository</a:t>
+            </a:r>
+          </a:p>
+        </p:txBody>
+      </p:sp>
+      <p:sp>
+        <p:nvSpPr>
+          <p:cNvPr id="9" name="ZoneTexte 8">
+            <a:extLst>
+              <a:ext uri="{FF2B5EF4-FFF2-40B4-BE49-F238E27FC236}">
+                <a16:creationId xmlns:a16="http://schemas.microsoft.com/office/drawing/2014/main" id="{9CDF8415-A8BC-449D-9A42-EF4B85597317}"/>
+              </a:ext>
+            </a:extLst>
+          </p:cNvPr>
+          <p:cNvSpPr txBox="1"/>
+          <p:nvPr/>
+        </p:nvSpPr>
+        <p:spPr>
+          <a:xfrm>
+            <a:off x="7127904" y="4688123"/>
+            <a:ext cx="1601400" cy="369332"/>
+          </a:xfrm>
+          <a:prstGeom prst="rect">
+            <a:avLst/>
+          </a:prstGeom>
+          <a:noFill/>
+        </p:spPr>
+        <p:txBody>
+          <a:bodyPr wrap="none" rtlCol="0">
+            <a:spAutoFit/>
+          </a:bodyPr>
+          <a:lstStyle/>
+          <a:p>
+            <a:r>
+              <a:rPr lang="fr-FR" dirty="0"/>
+              <a:t>SQL Repository</a:t>
+            </a:r>
+          </a:p>
+        </p:txBody>
+      </p:sp>
+      <p:cxnSp>
+        <p:nvCxnSpPr>
+          <p:cNvPr id="11" name="Connecteur droit avec flèche 10">
+            <a:extLst>
+              <a:ext uri="{FF2B5EF4-FFF2-40B4-BE49-F238E27FC236}">
+                <a16:creationId xmlns:a16="http://schemas.microsoft.com/office/drawing/2014/main" id="{4312440C-A66D-4373-ABE9-9008089F3D03}"/>
+              </a:ext>
+            </a:extLst>
+          </p:cNvPr>
+          <p:cNvCxnSpPr>
+            <a:cxnSpLocks/>
+            <a:stCxn id="6" idx="2"/>
+          </p:cNvCxnSpPr>
+          <p:nvPr/>
+        </p:nvCxnSpPr>
+        <p:spPr>
+          <a:xfrm flipH="1">
+            <a:off x="1800231" y="3899510"/>
+            <a:ext cx="2861142" cy="740670"/>
+          </a:xfrm>
+          <a:prstGeom prst="straightConnector1">
+            <a:avLst/>
+          </a:prstGeom>
+          <a:ln>
+            <a:headEnd type="triangle"/>
+            <a:tailEnd type="triangle"/>
+          </a:ln>
+        </p:spPr>
+        <p:style>
+          <a:lnRef idx="1">
+            <a:schemeClr val="accent1"/>
+          </a:lnRef>
+          <a:fillRef idx="0">
+            <a:schemeClr val="accent1"/>
+          </a:fillRef>
+          <a:effectRef idx="0">
+            <a:schemeClr val="accent1"/>
+          </a:effectRef>
+          <a:fontRef idx="minor">
+            <a:schemeClr val="tx1"/>
+          </a:fontRef>
+        </p:style>
+      </p:cxnSp>
+      <p:cxnSp>
+        <p:nvCxnSpPr>
+          <p:cNvPr id="15" name="Connecteur droit avec flèche 14">
+            <a:extLst>
+              <a:ext uri="{FF2B5EF4-FFF2-40B4-BE49-F238E27FC236}">
+                <a16:creationId xmlns:a16="http://schemas.microsoft.com/office/drawing/2014/main" id="{20B22E5A-6884-450B-97DB-921E71C524B2}"/>
+              </a:ext>
+            </a:extLst>
+          </p:cNvPr>
+          <p:cNvCxnSpPr>
+            <a:cxnSpLocks/>
+            <a:stCxn id="6" idx="2"/>
+            <a:endCxn id="8" idx="0"/>
+          </p:cNvCxnSpPr>
+          <p:nvPr/>
+        </p:nvCxnSpPr>
+        <p:spPr>
+          <a:xfrm>
+            <a:off x="4661373" y="3899510"/>
+            <a:ext cx="0" cy="788613"/>
+          </a:xfrm>
+          <a:prstGeom prst="straightConnector1">
+            <a:avLst/>
+          </a:prstGeom>
+          <a:ln>
+            <a:headEnd type="triangle"/>
+            <a:tailEnd type="triangle"/>
+          </a:ln>
+        </p:spPr>
+        <p:style>
+          <a:lnRef idx="1">
+            <a:schemeClr val="accent1"/>
+          </a:lnRef>
+          <a:fillRef idx="0">
+            <a:schemeClr val="accent1"/>
+          </a:fillRef>
+          <a:effectRef idx="0">
+            <a:schemeClr val="accent1"/>
+          </a:effectRef>
+          <a:fontRef idx="minor">
+            <a:schemeClr val="tx1"/>
+          </a:fontRef>
+        </p:style>
+      </p:cxnSp>
+      <p:cxnSp>
+        <p:nvCxnSpPr>
+          <p:cNvPr id="16" name="Connecteur droit avec flèche 15">
+            <a:extLst>
+              <a:ext uri="{FF2B5EF4-FFF2-40B4-BE49-F238E27FC236}">
+                <a16:creationId xmlns:a16="http://schemas.microsoft.com/office/drawing/2014/main" id="{A8237F04-C432-4BA8-8B7D-C9B720CD9E9E}"/>
+              </a:ext>
+            </a:extLst>
+          </p:cNvPr>
+          <p:cNvCxnSpPr>
+            <a:cxnSpLocks/>
+            <a:stCxn id="6" idx="2"/>
+            <a:endCxn id="9" idx="0"/>
+          </p:cNvCxnSpPr>
+          <p:nvPr/>
+        </p:nvCxnSpPr>
+        <p:spPr>
+          <a:xfrm>
+            <a:off x="4661373" y="3899510"/>
+            <a:ext cx="3267231" cy="788613"/>
+          </a:xfrm>
+          <a:prstGeom prst="straightConnector1">
+            <a:avLst/>
+          </a:prstGeom>
+          <a:ln>
+            <a:headEnd type="triangle"/>
+            <a:tailEnd type="triangle"/>
+          </a:ln>
+        </p:spPr>
+        <p:style>
+          <a:lnRef idx="1">
+            <a:schemeClr val="accent1"/>
+          </a:lnRef>
+          <a:fillRef idx="0">
+            <a:schemeClr val="accent1"/>
+          </a:fillRef>
+          <a:effectRef idx="0">
+            <a:schemeClr val="accent1"/>
+          </a:effectRef>
+          <a:fontRef idx="minor">
+            <a:schemeClr val="tx1"/>
+          </a:fontRef>
+        </p:style>
+      </p:cxnSp>
+      <p:sp>
+        <p:nvSpPr>
+          <p:cNvPr id="22" name="Cylindre 21">
+            <a:extLst>
+              <a:ext uri="{FF2B5EF4-FFF2-40B4-BE49-F238E27FC236}">
+                <a16:creationId xmlns:a16="http://schemas.microsoft.com/office/drawing/2014/main" id="{90FA8AC1-C139-4555-9CD7-C1C2E2121F71}"/>
+              </a:ext>
+            </a:extLst>
+          </p:cNvPr>
+          <p:cNvSpPr/>
+          <p:nvPr/>
+        </p:nvSpPr>
+        <p:spPr>
+          <a:xfrm>
+            <a:off x="7447913" y="5463293"/>
+            <a:ext cx="882556" cy="646675"/>
+          </a:xfrm>
+          <a:prstGeom prst="can">
+            <a:avLst/>
+          </a:prstGeom>
+        </p:spPr>
+        <p:style>
+          <a:lnRef idx="2">
+            <a:schemeClr val="accent1">
+              <a:shade val="50000"/>
+            </a:schemeClr>
+          </a:lnRef>
+          <a:fillRef idx="1">
+            <a:schemeClr val="accent1"/>
+          </a:fillRef>
+          <a:effectRef idx="0">
+            <a:schemeClr val="accent1"/>
+          </a:effectRef>
+          <a:fontRef idx="minor">
+            <a:schemeClr val="lt1"/>
+          </a:fontRef>
+        </p:style>
+        <p:txBody>
+          <a:bodyPr rtlCol="0" anchor="ctr"/>
+          <a:lstStyle/>
+          <a:p>
+            <a:pPr algn="ctr"/>
+            <a:r>
+              <a:rPr lang="fr-FR" dirty="0"/>
+              <a:t>SQL </a:t>
+            </a:r>
+            <a:r>
+              <a:rPr lang="fr-FR" dirty="0" err="1"/>
+              <a:t>Db</a:t>
+            </a:r>
+            <a:endParaRPr lang="fr-FR" dirty="0"/>
+          </a:p>
+        </p:txBody>
+      </p:sp>
+      <p:sp>
+        <p:nvSpPr>
+          <p:cNvPr id="23" name="Organigramme : Document 22">
+            <a:extLst>
+              <a:ext uri="{FF2B5EF4-FFF2-40B4-BE49-F238E27FC236}">
+                <a16:creationId xmlns:a16="http://schemas.microsoft.com/office/drawing/2014/main" id="{B9ECB7FE-91E0-4FAA-93C4-9CE2F6000A4E}"/>
+              </a:ext>
+            </a:extLst>
+          </p:cNvPr>
+          <p:cNvSpPr/>
+          <p:nvPr/>
+        </p:nvSpPr>
+        <p:spPr>
+          <a:xfrm>
+            <a:off x="4204172" y="5441112"/>
+            <a:ext cx="914400" cy="612648"/>
+          </a:xfrm>
+          <a:prstGeom prst="flowChartDocument">
+            <a:avLst/>
+          </a:prstGeom>
+        </p:spPr>
+        <p:style>
+          <a:lnRef idx="2">
+            <a:schemeClr val="accent1">
+              <a:shade val="50000"/>
+            </a:schemeClr>
+          </a:lnRef>
+          <a:fillRef idx="1">
+            <a:schemeClr val="accent1"/>
+          </a:fillRef>
+          <a:effectRef idx="0">
+            <a:schemeClr val="accent1"/>
+          </a:effectRef>
+          <a:fontRef idx="minor">
+            <a:schemeClr val="lt1"/>
+          </a:fontRef>
+        </p:style>
+        <p:txBody>
+          <a:bodyPr rtlCol="0" anchor="ctr"/>
+          <a:lstStyle/>
+          <a:p>
+            <a:pPr algn="ctr"/>
+            <a:r>
+              <a:rPr lang="fr-FR" dirty="0"/>
+              <a:t>CSV</a:t>
+            </a:r>
+          </a:p>
+        </p:txBody>
+      </p:sp>
+      <p:sp>
+        <p:nvSpPr>
+          <p:cNvPr id="24" name="Organigramme : Terminateur 23">
+            <a:extLst>
+              <a:ext uri="{FF2B5EF4-FFF2-40B4-BE49-F238E27FC236}">
+                <a16:creationId xmlns:a16="http://schemas.microsoft.com/office/drawing/2014/main" id="{8D66079C-9900-4F48-9341-B3B33DF1319C}"/>
+              </a:ext>
+            </a:extLst>
+          </p:cNvPr>
+          <p:cNvSpPr/>
+          <p:nvPr/>
+        </p:nvSpPr>
+        <p:spPr>
+          <a:xfrm>
+            <a:off x="1279127" y="5496086"/>
+            <a:ext cx="914400" cy="301752"/>
+          </a:xfrm>
+          <a:prstGeom prst="flowChartTerminator">
+            <a:avLst/>
+          </a:prstGeom>
+        </p:spPr>
+        <p:style>
+          <a:lnRef idx="2">
+            <a:schemeClr val="accent1">
+              <a:shade val="50000"/>
+            </a:schemeClr>
+          </a:lnRef>
+          <a:fillRef idx="1">
+            <a:schemeClr val="accent1"/>
+          </a:fillRef>
+          <a:effectRef idx="0">
+            <a:schemeClr val="accent1"/>
+          </a:effectRef>
+          <a:fontRef idx="minor">
+            <a:schemeClr val="lt1"/>
+          </a:fontRef>
+        </p:style>
+        <p:txBody>
+          <a:bodyPr rtlCol="0" anchor="ctr"/>
+          <a:lstStyle/>
+          <a:p>
+            <a:pPr algn="ctr"/>
+            <a:r>
+              <a:rPr lang="fr-FR" dirty="0"/>
+              <a:t>JSON</a:t>
+            </a:r>
+          </a:p>
+        </p:txBody>
+      </p:sp>
+      <p:cxnSp>
+        <p:nvCxnSpPr>
+          <p:cNvPr id="25" name="Connecteur droit avec flèche 24">
+            <a:extLst>
+              <a:ext uri="{FF2B5EF4-FFF2-40B4-BE49-F238E27FC236}">
+                <a16:creationId xmlns:a16="http://schemas.microsoft.com/office/drawing/2014/main" id="{6F0C7641-81EF-47BF-B97A-CF48C784A68D}"/>
+              </a:ext>
+            </a:extLst>
+          </p:cNvPr>
+          <p:cNvCxnSpPr>
+            <a:cxnSpLocks/>
+            <a:endCxn id="6" idx="0"/>
+          </p:cNvCxnSpPr>
+          <p:nvPr/>
+        </p:nvCxnSpPr>
+        <p:spPr>
+          <a:xfrm>
+            <a:off x="4661372" y="3007051"/>
+            <a:ext cx="1" cy="523127"/>
+          </a:xfrm>
+          <a:prstGeom prst="straightConnector1">
+            <a:avLst/>
+          </a:prstGeom>
+          <a:ln>
+            <a:headEnd type="triangle"/>
+            <a:tailEnd type="triangle"/>
+          </a:ln>
+        </p:spPr>
+        <p:style>
+          <a:lnRef idx="1">
+            <a:schemeClr val="accent1"/>
+          </a:lnRef>
+          <a:fillRef idx="0">
+            <a:schemeClr val="accent1"/>
+          </a:fillRef>
+          <a:effectRef idx="0">
+            <a:schemeClr val="accent1"/>
+          </a:effectRef>
+          <a:fontRef idx="minor">
+            <a:schemeClr val="tx1"/>
+          </a:fontRef>
+        </p:style>
+      </p:cxnSp>
+      <p:cxnSp>
+        <p:nvCxnSpPr>
+          <p:cNvPr id="27" name="Connecteur droit avec flèche 26">
+            <a:extLst>
+              <a:ext uri="{FF2B5EF4-FFF2-40B4-BE49-F238E27FC236}">
+                <a16:creationId xmlns:a16="http://schemas.microsoft.com/office/drawing/2014/main" id="{2E3D6009-4EEE-4A0E-B6F9-53671F0EDDE4}"/>
+              </a:ext>
+            </a:extLst>
+          </p:cNvPr>
+          <p:cNvCxnSpPr>
+            <a:cxnSpLocks/>
+          </p:cNvCxnSpPr>
+          <p:nvPr/>
+        </p:nvCxnSpPr>
+        <p:spPr>
+          <a:xfrm>
+            <a:off x="4661372" y="2099502"/>
+            <a:ext cx="1" cy="523127"/>
+          </a:xfrm>
+          <a:prstGeom prst="straightConnector1">
+            <a:avLst/>
+          </a:prstGeom>
+          <a:ln>
+            <a:headEnd type="triangle"/>
+            <a:tailEnd type="triangle"/>
+          </a:ln>
+        </p:spPr>
+        <p:style>
+          <a:lnRef idx="1">
+            <a:schemeClr val="accent1"/>
+          </a:lnRef>
+          <a:fillRef idx="0">
+            <a:schemeClr val="accent1"/>
+          </a:fillRef>
+          <a:effectRef idx="0">
+            <a:schemeClr val="accent1"/>
+          </a:effectRef>
+          <a:fontRef idx="minor">
+            <a:schemeClr val="tx1"/>
+          </a:fontRef>
+        </p:style>
+      </p:cxnSp>
+      <p:cxnSp>
+        <p:nvCxnSpPr>
+          <p:cNvPr id="28" name="Connecteur droit avec flèche 27">
+            <a:extLst>
+              <a:ext uri="{FF2B5EF4-FFF2-40B4-BE49-F238E27FC236}">
+                <a16:creationId xmlns:a16="http://schemas.microsoft.com/office/drawing/2014/main" id="{61A87B76-7901-419F-8720-9F16F13B60F2}"/>
+              </a:ext>
+            </a:extLst>
+          </p:cNvPr>
+          <p:cNvCxnSpPr>
+            <a:cxnSpLocks/>
+          </p:cNvCxnSpPr>
+          <p:nvPr/>
+        </p:nvCxnSpPr>
+        <p:spPr>
+          <a:xfrm>
+            <a:off x="1736326" y="5061286"/>
+            <a:ext cx="0" cy="363544"/>
+          </a:xfrm>
+          <a:prstGeom prst="straightConnector1">
+            <a:avLst/>
+          </a:prstGeom>
+          <a:ln>
+            <a:headEnd type="triangle"/>
+            <a:tailEnd type="triangle"/>
+          </a:ln>
+        </p:spPr>
+        <p:style>
+          <a:lnRef idx="1">
+            <a:schemeClr val="accent1"/>
+          </a:lnRef>
+          <a:fillRef idx="0">
+            <a:schemeClr val="accent1"/>
+          </a:fillRef>
+          <a:effectRef idx="0">
+            <a:schemeClr val="accent1"/>
+          </a:effectRef>
+          <a:fontRef idx="minor">
+            <a:schemeClr val="tx1"/>
+          </a:fontRef>
+        </p:style>
+      </p:cxnSp>
+      <p:cxnSp>
+        <p:nvCxnSpPr>
+          <p:cNvPr id="30" name="Connecteur droit avec flèche 29">
+            <a:extLst>
+              <a:ext uri="{FF2B5EF4-FFF2-40B4-BE49-F238E27FC236}">
+                <a16:creationId xmlns:a16="http://schemas.microsoft.com/office/drawing/2014/main" id="{5F69C445-13EB-4504-8987-F8D0C7F49DD5}"/>
+              </a:ext>
+            </a:extLst>
+          </p:cNvPr>
+          <p:cNvCxnSpPr>
+            <a:cxnSpLocks/>
+          </p:cNvCxnSpPr>
+          <p:nvPr/>
+        </p:nvCxnSpPr>
+        <p:spPr>
+          <a:xfrm>
+            <a:off x="4661372" y="5004420"/>
+            <a:ext cx="0" cy="363544"/>
+          </a:xfrm>
+          <a:prstGeom prst="straightConnector1">
+            <a:avLst/>
+          </a:prstGeom>
+          <a:ln>
+            <a:headEnd type="triangle"/>
+            <a:tailEnd type="triangle"/>
+          </a:ln>
+        </p:spPr>
+        <p:style>
+          <a:lnRef idx="1">
+            <a:schemeClr val="accent1"/>
+          </a:lnRef>
+          <a:fillRef idx="0">
+            <a:schemeClr val="accent1"/>
+          </a:fillRef>
+          <a:effectRef idx="0">
+            <a:schemeClr val="accent1"/>
+          </a:effectRef>
+          <a:fontRef idx="minor">
+            <a:schemeClr val="tx1"/>
+          </a:fontRef>
+        </p:style>
+      </p:cxnSp>
+      <p:cxnSp>
+        <p:nvCxnSpPr>
+          <p:cNvPr id="31" name="Connecteur droit avec flèche 30">
+            <a:extLst>
+              <a:ext uri="{FF2B5EF4-FFF2-40B4-BE49-F238E27FC236}">
+                <a16:creationId xmlns:a16="http://schemas.microsoft.com/office/drawing/2014/main" id="{15851CA3-125B-4246-977D-B051540E5DBC}"/>
+              </a:ext>
+            </a:extLst>
+          </p:cNvPr>
+          <p:cNvCxnSpPr>
+            <a:cxnSpLocks/>
+          </p:cNvCxnSpPr>
+          <p:nvPr/>
+        </p:nvCxnSpPr>
+        <p:spPr>
+          <a:xfrm>
+            <a:off x="7889191" y="5009012"/>
+            <a:ext cx="0" cy="363544"/>
+          </a:xfrm>
+          <a:prstGeom prst="straightConnector1">
+            <a:avLst/>
+          </a:prstGeom>
+          <a:ln>
+            <a:headEnd type="triangle"/>
+            <a:tailEnd type="triangle"/>
+          </a:ln>
+        </p:spPr>
+        <p:style>
+          <a:lnRef idx="1">
+            <a:schemeClr val="accent1"/>
+          </a:lnRef>
+          <a:fillRef idx="0">
+            <a:schemeClr val="accent1"/>
+          </a:fillRef>
+          <a:effectRef idx="0">
+            <a:schemeClr val="accent1"/>
+          </a:effectRef>
+          <a:fontRef idx="minor">
+            <a:schemeClr val="tx1"/>
+          </a:fontRef>
+        </p:style>
+      </p:cxnSp>
+      <p:sp>
+        <p:nvSpPr>
+          <p:cNvPr id="37" name="Flèche : bas 36">
+            <a:extLst>
+              <a:ext uri="{FF2B5EF4-FFF2-40B4-BE49-F238E27FC236}">
+                <a16:creationId xmlns:a16="http://schemas.microsoft.com/office/drawing/2014/main" id="{C5A93B04-51B2-4D73-94B3-9DFDDA4E3C3D}"/>
+              </a:ext>
+            </a:extLst>
+          </p:cNvPr>
+          <p:cNvSpPr/>
+          <p:nvPr/>
+        </p:nvSpPr>
+        <p:spPr>
+          <a:xfrm rot="2755033">
+            <a:off x="6058233" y="1976375"/>
+            <a:ext cx="205466" cy="404884"/>
+          </a:xfrm>
+          <a:prstGeom prst="downArrow">
+            <a:avLst/>
+          </a:prstGeom>
+          <a:solidFill>
+            <a:srgbClr val="C00000"/>
+          </a:solidFill>
+          <a:ln>
+            <a:solidFill>
+              <a:srgbClr val="FF0000"/>
+            </a:solidFill>
+          </a:ln>
+        </p:spPr>
+        <p:style>
+          <a:lnRef idx="2">
+            <a:schemeClr val="accent1">
+              <a:shade val="50000"/>
+            </a:schemeClr>
+          </a:lnRef>
+          <a:fillRef idx="1">
+            <a:schemeClr val="accent1"/>
+          </a:fillRef>
+          <a:effectRef idx="0">
+            <a:schemeClr val="accent1"/>
+          </a:effectRef>
+          <a:fontRef idx="minor">
+            <a:schemeClr val="lt1"/>
+          </a:fontRef>
+        </p:style>
+        <p:txBody>
+          <a:bodyPr rtlCol="0" anchor="ctr"/>
+          <a:lstStyle/>
+          <a:p>
+            <a:pPr algn="ctr"/>
+            <a:endParaRPr lang="fr-FR"/>
+          </a:p>
+        </p:txBody>
+      </p:sp>
+      <p:sp>
+        <p:nvSpPr>
+          <p:cNvPr id="38" name="Rectangle 37">
+            <a:extLst>
+              <a:ext uri="{FF2B5EF4-FFF2-40B4-BE49-F238E27FC236}">
+                <a16:creationId xmlns:a16="http://schemas.microsoft.com/office/drawing/2014/main" id="{3F349B4C-DDDF-483E-B9C8-0944B1877F92}"/>
+              </a:ext>
+            </a:extLst>
+          </p:cNvPr>
+          <p:cNvSpPr/>
+          <p:nvPr/>
+        </p:nvSpPr>
+        <p:spPr>
+          <a:xfrm>
+            <a:off x="3364794" y="2024043"/>
+            <a:ext cx="2533680" cy="656011"/>
+          </a:xfrm>
+          <a:prstGeom prst="rect">
+            <a:avLst/>
+          </a:prstGeom>
+          <a:noFill/>
+          <a:ln>
+            <a:solidFill>
+              <a:srgbClr val="FF0000"/>
+            </a:solidFill>
+            <a:prstDash val="sysDash"/>
+          </a:ln>
+        </p:spPr>
+        <p:style>
+          <a:lnRef idx="2">
+            <a:schemeClr val="accent1">
+              <a:shade val="50000"/>
+            </a:schemeClr>
+          </a:lnRef>
+          <a:fillRef idx="1">
+            <a:schemeClr val="accent1"/>
+          </a:fillRef>
+          <a:effectRef idx="0">
+            <a:schemeClr val="accent1"/>
+          </a:effectRef>
+          <a:fontRef idx="minor">
+            <a:schemeClr val="lt1"/>
+          </a:fontRef>
+        </p:style>
+        <p:txBody>
+          <a:bodyPr rtlCol="0" anchor="ctr"/>
+          <a:lstStyle/>
+          <a:p>
+            <a:pPr algn="ctr"/>
+            <a:endParaRPr lang="fr-FR"/>
+          </a:p>
+        </p:txBody>
+      </p:sp>
+    </p:spTree>
+    <p:extLst>
+      <p:ext uri="{BB962C8B-B14F-4D97-AF65-F5344CB8AC3E}">
+        <p14:creationId xmlns:p14="http://schemas.microsoft.com/office/powerpoint/2010/main" val="2490403552"/>
+      </p:ext>
+    </p:extLst>
+  </p:cSld>
+  <p:clrMapOvr>
+    <a:masterClrMapping/>
+  </p:clrMapOvr>
+</p:sld>
+</file>
+
+<file path=ppt/slides/slide11.xml><?xml version="1.0" encoding="utf-8"?>
+<p:sld xmlns:a="http://schemas.openxmlformats.org/drawingml/2006/main" xmlns:r="http://schemas.openxmlformats.org/officeDocument/2006/relationships" xmlns:p="http://schemas.openxmlformats.org/presentationml/2006/main">
+  <p:cSld>
+    <p:spTree>
+      <p:nvGrpSpPr>
+        <p:cNvPr id="1" name=""/>
+        <p:cNvGrpSpPr/>
+        <p:nvPr/>
+      </p:nvGrpSpPr>
+      <p:grpSpPr>
+        <a:xfrm>
+          <a:off x="0" y="0"/>
+          <a:ext cx="0" cy="0"/>
+          <a:chOff x="0" y="0"/>
+          <a:chExt cx="0" cy="0"/>
+        </a:xfrm>
+      </p:grpSpPr>
+      <p:pic>
+        <p:nvPicPr>
+          <p:cNvPr id="36" name="Picture 4" descr="Résultat de recherche d'images pour &quot;maillon&quot;">
+            <a:extLst>
+              <a:ext uri="{FF2B5EF4-FFF2-40B4-BE49-F238E27FC236}">
+                <a16:creationId xmlns:a16="http://schemas.microsoft.com/office/drawing/2014/main" id="{1BADB5BC-BA25-43DE-8817-DD5C0FD85E70}"/>
+              </a:ext>
+            </a:extLst>
+          </p:cNvPr>
+          <p:cNvPicPr>
+            <a:picLocks noChangeAspect="1" noChangeArrowheads="1"/>
+          </p:cNvPicPr>
+          <p:nvPr/>
+        </p:nvPicPr>
+        <p:blipFill>
+          <a:blip r:embed="rId2">
+            <a:extLst>
+              <a:ext uri="{28A0092B-C50C-407E-A947-70E740481C1C}">
+                <a14:useLocalDpi xmlns:a14="http://schemas.microsoft.com/office/drawing/2010/main" val="0"/>
+              </a:ext>
+            </a:extLst>
+          </a:blip>
+          <a:srcRect/>
+          <a:stretch>
+            <a:fillRect/>
+          </a:stretch>
+        </p:blipFill>
+        <p:spPr bwMode="auto">
+          <a:xfrm>
+            <a:off x="3515469" y="1765313"/>
+            <a:ext cx="2383005" cy="1191503"/>
+          </a:xfrm>
+          <a:prstGeom prst="rect">
+            <a:avLst/>
+          </a:prstGeom>
+          <a:noFill/>
+          <a:extLst>
+            <a:ext uri="{909E8E84-426E-40DD-AFC4-6F175D3DCCD1}">
+              <a14:hiddenFill xmlns:a14="http://schemas.microsoft.com/office/drawing/2010/main">
+                <a:solidFill>
+                  <a:srgbClr val="FFFFFF"/>
+                </a:solidFill>
+              </a14:hiddenFill>
+            </a:ext>
+          </a:extLst>
+        </p:spPr>
+      </p:pic>
+      <p:pic>
+        <p:nvPicPr>
+          <p:cNvPr id="33" name="Picture 4" descr="Résultat de recherche d'images pour &quot;maillon&quot;">
+            <a:extLst>
+              <a:ext uri="{FF2B5EF4-FFF2-40B4-BE49-F238E27FC236}">
+                <a16:creationId xmlns:a16="http://schemas.microsoft.com/office/drawing/2014/main" id="{02DE3659-1ACB-45B0-B765-9AAA588C7DBD}"/>
+              </a:ext>
+            </a:extLst>
+          </p:cNvPr>
+          <p:cNvPicPr>
+            <a:picLocks noChangeAspect="1" noChangeArrowheads="1"/>
+          </p:cNvPicPr>
+          <p:nvPr/>
+        </p:nvPicPr>
+        <p:blipFill>
+          <a:blip r:embed="rId2">
+            <a:extLst>
+              <a:ext uri="{28A0092B-C50C-407E-A947-70E740481C1C}">
+                <a14:useLocalDpi xmlns:a14="http://schemas.microsoft.com/office/drawing/2010/main" val="0"/>
+              </a:ext>
+            </a:extLst>
+          </a:blip>
+          <a:srcRect/>
+          <a:stretch>
+            <a:fillRect/>
+          </a:stretch>
+        </p:blipFill>
+        <p:spPr bwMode="auto">
+          <a:xfrm>
+            <a:off x="3469869" y="2632269"/>
+            <a:ext cx="2383005" cy="1191503"/>
+          </a:xfrm>
+          <a:prstGeom prst="rect">
+            <a:avLst/>
+          </a:prstGeom>
+          <a:noFill/>
+          <a:extLst>
+            <a:ext uri="{909E8E84-426E-40DD-AFC4-6F175D3DCCD1}">
+              <a14:hiddenFill xmlns:a14="http://schemas.microsoft.com/office/drawing/2010/main">
+                <a:solidFill>
+                  <a:srgbClr val="FFFFFF"/>
+                </a:solidFill>
+              </a14:hiddenFill>
+            </a:ext>
+          </a:extLst>
+        </p:spPr>
+      </p:pic>
+      <p:sp>
+        <p:nvSpPr>
+          <p:cNvPr id="2" name="Titre 1">
+            <a:extLst>
+              <a:ext uri="{FF2B5EF4-FFF2-40B4-BE49-F238E27FC236}">
+                <a16:creationId xmlns:a16="http://schemas.microsoft.com/office/drawing/2014/main" id="{8E378170-2AB9-4B6A-BDA0-82E8DF835269}"/>
+              </a:ext>
+            </a:extLst>
+          </p:cNvPr>
+          <p:cNvSpPr>
+            <a:spLocks noGrp="1"/>
+          </p:cNvSpPr>
+          <p:nvPr>
+            <p:ph type="title"/>
+          </p:nvPr>
+        </p:nvSpPr>
+        <p:spPr/>
+        <p:txBody>
+          <a:bodyPr/>
+          <a:lstStyle/>
+          <a:p>
+            <a:r>
+              <a:rPr lang="fr-FR" dirty="0"/>
+              <a:t>TODO 4</a:t>
+            </a:r>
+          </a:p>
+        </p:txBody>
+      </p:sp>
+      <p:sp>
+        <p:nvSpPr>
+          <p:cNvPr id="4" name="ZoneTexte 3">
+            <a:extLst>
+              <a:ext uri="{FF2B5EF4-FFF2-40B4-BE49-F238E27FC236}">
+                <a16:creationId xmlns:a16="http://schemas.microsoft.com/office/drawing/2014/main" id="{B71CFD0C-81BC-4C87-A4A8-FB1D247B076B}"/>
+              </a:ext>
+            </a:extLst>
+          </p:cNvPr>
+          <p:cNvSpPr txBox="1"/>
+          <p:nvPr/>
+        </p:nvSpPr>
+        <p:spPr>
+          <a:xfrm>
+            <a:off x="4387516" y="1715081"/>
+            <a:ext cx="547714" cy="369332"/>
+          </a:xfrm>
+          <a:prstGeom prst="rect">
+            <a:avLst/>
+          </a:prstGeom>
+          <a:noFill/>
+        </p:spPr>
+        <p:txBody>
+          <a:bodyPr wrap="none" rtlCol="0">
+            <a:spAutoFit/>
+          </a:bodyPr>
+          <a:lstStyle/>
+          <a:p>
+            <a:r>
+              <a:rPr lang="fr-FR" dirty="0"/>
+              <a:t>Vue</a:t>
+            </a:r>
+          </a:p>
+        </p:txBody>
+      </p:sp>
+      <p:sp>
+        <p:nvSpPr>
+          <p:cNvPr id="5" name="ZoneTexte 4">
+            <a:extLst>
+              <a:ext uri="{FF2B5EF4-FFF2-40B4-BE49-F238E27FC236}">
+                <a16:creationId xmlns:a16="http://schemas.microsoft.com/office/drawing/2014/main" id="{3A4C4936-617E-4B16-BB80-5EE835781568}"/>
+              </a:ext>
+            </a:extLst>
+          </p:cNvPr>
+          <p:cNvSpPr txBox="1"/>
+          <p:nvPr/>
+        </p:nvSpPr>
+        <p:spPr>
+          <a:xfrm>
+            <a:off x="4018546" y="2622629"/>
+            <a:ext cx="1376852" cy="369332"/>
+          </a:xfrm>
+          <a:prstGeom prst="rect">
+            <a:avLst/>
+          </a:prstGeom>
+          <a:noFill/>
+        </p:spPr>
+        <p:txBody>
+          <a:bodyPr wrap="none" rtlCol="0">
+            <a:spAutoFit/>
+          </a:bodyPr>
+          <a:lstStyle/>
+          <a:p>
+            <a:r>
+              <a:rPr lang="fr-FR" dirty="0"/>
+              <a:t>Présentation</a:t>
+            </a:r>
+          </a:p>
+        </p:txBody>
+      </p:sp>
+      <p:sp>
+        <p:nvSpPr>
+          <p:cNvPr id="6" name="ZoneTexte 5">
+            <a:extLst>
+              <a:ext uri="{FF2B5EF4-FFF2-40B4-BE49-F238E27FC236}">
+                <a16:creationId xmlns:a16="http://schemas.microsoft.com/office/drawing/2014/main" id="{C8043AF5-E471-4979-A557-C72215B15C82}"/>
+              </a:ext>
+            </a:extLst>
+          </p:cNvPr>
+          <p:cNvSpPr txBox="1"/>
+          <p:nvPr/>
+        </p:nvSpPr>
+        <p:spPr>
+          <a:xfrm>
+            <a:off x="4150400" y="3530178"/>
+            <a:ext cx="1021946" cy="369332"/>
+          </a:xfrm>
+          <a:prstGeom prst="rect">
+            <a:avLst/>
+          </a:prstGeom>
+          <a:noFill/>
+        </p:spPr>
+        <p:txBody>
+          <a:bodyPr wrap="none" rtlCol="0">
+            <a:spAutoFit/>
+          </a:bodyPr>
+          <a:lstStyle/>
+          <a:p>
+            <a:r>
+              <a:rPr lang="fr-FR" dirty="0"/>
+              <a:t>Interface</a:t>
+            </a:r>
+          </a:p>
+        </p:txBody>
+      </p:sp>
+      <p:sp>
+        <p:nvSpPr>
+          <p:cNvPr id="7" name="ZoneTexte 6">
+            <a:extLst>
+              <a:ext uri="{FF2B5EF4-FFF2-40B4-BE49-F238E27FC236}">
+                <a16:creationId xmlns:a16="http://schemas.microsoft.com/office/drawing/2014/main" id="{ACFCE17F-7B8A-4B15-BCCE-72B956622D38}"/>
+              </a:ext>
+            </a:extLst>
+          </p:cNvPr>
+          <p:cNvSpPr txBox="1"/>
+          <p:nvPr/>
+        </p:nvSpPr>
+        <p:spPr>
+          <a:xfrm>
+            <a:off x="890337" y="4688123"/>
+            <a:ext cx="1916102" cy="369332"/>
+          </a:xfrm>
+          <a:prstGeom prst="rect">
+            <a:avLst/>
+          </a:prstGeom>
+          <a:noFill/>
+        </p:spPr>
+        <p:txBody>
+          <a:bodyPr wrap="none" rtlCol="0">
+            <a:spAutoFit/>
+          </a:bodyPr>
+          <a:lstStyle/>
+          <a:p>
+            <a:r>
+              <a:rPr lang="fr-FR" dirty="0"/>
+              <a:t>Service Repository</a:t>
+            </a:r>
+          </a:p>
+        </p:txBody>
+      </p:sp>
+      <p:sp>
+        <p:nvSpPr>
+          <p:cNvPr id="8" name="ZoneTexte 7">
+            <a:extLst>
+              <a:ext uri="{FF2B5EF4-FFF2-40B4-BE49-F238E27FC236}">
+                <a16:creationId xmlns:a16="http://schemas.microsoft.com/office/drawing/2014/main" id="{820C0E42-0F83-426C-B965-3F163F0D3C9A}"/>
+              </a:ext>
+            </a:extLst>
+          </p:cNvPr>
+          <p:cNvSpPr txBox="1"/>
+          <p:nvPr/>
+        </p:nvSpPr>
+        <p:spPr>
+          <a:xfrm>
+            <a:off x="3860673" y="4688123"/>
+            <a:ext cx="1601400" cy="369332"/>
+          </a:xfrm>
+          <a:prstGeom prst="rect">
+            <a:avLst/>
+          </a:prstGeom>
+          <a:noFill/>
+        </p:spPr>
+        <p:txBody>
+          <a:bodyPr wrap="none" rtlCol="0">
+            <a:spAutoFit/>
+          </a:bodyPr>
+          <a:lstStyle/>
+          <a:p>
+            <a:r>
+              <a:rPr lang="fr-FR" dirty="0"/>
+              <a:t>CSV Repository</a:t>
+            </a:r>
+          </a:p>
+        </p:txBody>
+      </p:sp>
+      <p:sp>
+        <p:nvSpPr>
+          <p:cNvPr id="9" name="ZoneTexte 8">
+            <a:extLst>
+              <a:ext uri="{FF2B5EF4-FFF2-40B4-BE49-F238E27FC236}">
+                <a16:creationId xmlns:a16="http://schemas.microsoft.com/office/drawing/2014/main" id="{9CDF8415-A8BC-449D-9A42-EF4B85597317}"/>
+              </a:ext>
+            </a:extLst>
+          </p:cNvPr>
+          <p:cNvSpPr txBox="1"/>
+          <p:nvPr/>
+        </p:nvSpPr>
+        <p:spPr>
+          <a:xfrm>
+            <a:off x="7127904" y="4688123"/>
+            <a:ext cx="1601400" cy="369332"/>
+          </a:xfrm>
+          <a:prstGeom prst="rect">
+            <a:avLst/>
+          </a:prstGeom>
+          <a:noFill/>
+        </p:spPr>
+        <p:txBody>
+          <a:bodyPr wrap="none" rtlCol="0">
+            <a:spAutoFit/>
+          </a:bodyPr>
+          <a:lstStyle/>
+          <a:p>
+            <a:r>
+              <a:rPr lang="fr-FR" dirty="0"/>
+              <a:t>SQL Repository</a:t>
+            </a:r>
+          </a:p>
+        </p:txBody>
+      </p:sp>
+      <p:cxnSp>
+        <p:nvCxnSpPr>
+          <p:cNvPr id="11" name="Connecteur droit avec flèche 10">
+            <a:extLst>
+              <a:ext uri="{FF2B5EF4-FFF2-40B4-BE49-F238E27FC236}">
+                <a16:creationId xmlns:a16="http://schemas.microsoft.com/office/drawing/2014/main" id="{4312440C-A66D-4373-ABE9-9008089F3D03}"/>
+              </a:ext>
+            </a:extLst>
+          </p:cNvPr>
+          <p:cNvCxnSpPr>
+            <a:cxnSpLocks/>
+            <a:stCxn id="6" idx="2"/>
+          </p:cNvCxnSpPr>
+          <p:nvPr/>
+        </p:nvCxnSpPr>
+        <p:spPr>
+          <a:xfrm flipH="1">
+            <a:off x="1800231" y="3899510"/>
+            <a:ext cx="2861142" cy="740670"/>
+          </a:xfrm>
+          <a:prstGeom prst="straightConnector1">
+            <a:avLst/>
+          </a:prstGeom>
+          <a:ln>
+            <a:headEnd type="triangle"/>
+            <a:tailEnd type="triangle"/>
+          </a:ln>
+        </p:spPr>
+        <p:style>
+          <a:lnRef idx="1">
+            <a:schemeClr val="accent1"/>
+          </a:lnRef>
+          <a:fillRef idx="0">
+            <a:schemeClr val="accent1"/>
+          </a:fillRef>
+          <a:effectRef idx="0">
+            <a:schemeClr val="accent1"/>
+          </a:effectRef>
+          <a:fontRef idx="minor">
+            <a:schemeClr val="tx1"/>
+          </a:fontRef>
+        </p:style>
+      </p:cxnSp>
+      <p:cxnSp>
+        <p:nvCxnSpPr>
+          <p:cNvPr id="15" name="Connecteur droit avec flèche 14">
+            <a:extLst>
+              <a:ext uri="{FF2B5EF4-FFF2-40B4-BE49-F238E27FC236}">
+                <a16:creationId xmlns:a16="http://schemas.microsoft.com/office/drawing/2014/main" id="{20B22E5A-6884-450B-97DB-921E71C524B2}"/>
+              </a:ext>
+            </a:extLst>
+          </p:cNvPr>
+          <p:cNvCxnSpPr>
+            <a:cxnSpLocks/>
+            <a:stCxn id="6" idx="2"/>
+            <a:endCxn id="8" idx="0"/>
+          </p:cNvCxnSpPr>
+          <p:nvPr/>
+        </p:nvCxnSpPr>
+        <p:spPr>
+          <a:xfrm>
+            <a:off x="4661373" y="3899510"/>
+            <a:ext cx="0" cy="788613"/>
+          </a:xfrm>
+          <a:prstGeom prst="straightConnector1">
+            <a:avLst/>
+          </a:prstGeom>
+          <a:ln>
+            <a:headEnd type="triangle"/>
+            <a:tailEnd type="triangle"/>
+          </a:ln>
+        </p:spPr>
+        <p:style>
+          <a:lnRef idx="1">
+            <a:schemeClr val="accent1"/>
+          </a:lnRef>
+          <a:fillRef idx="0">
+            <a:schemeClr val="accent1"/>
+          </a:fillRef>
+          <a:effectRef idx="0">
+            <a:schemeClr val="accent1"/>
+          </a:effectRef>
+          <a:fontRef idx="minor">
+            <a:schemeClr val="tx1"/>
+          </a:fontRef>
+        </p:style>
+      </p:cxnSp>
+      <p:cxnSp>
+        <p:nvCxnSpPr>
+          <p:cNvPr id="16" name="Connecteur droit avec flèche 15">
+            <a:extLst>
+              <a:ext uri="{FF2B5EF4-FFF2-40B4-BE49-F238E27FC236}">
+                <a16:creationId xmlns:a16="http://schemas.microsoft.com/office/drawing/2014/main" id="{A8237F04-C432-4BA8-8B7D-C9B720CD9E9E}"/>
+              </a:ext>
+            </a:extLst>
+          </p:cNvPr>
+          <p:cNvCxnSpPr>
+            <a:cxnSpLocks/>
+            <a:stCxn id="6" idx="2"/>
+            <a:endCxn id="9" idx="0"/>
+          </p:cNvCxnSpPr>
+          <p:nvPr/>
+        </p:nvCxnSpPr>
+        <p:spPr>
+          <a:xfrm>
+            <a:off x="4661373" y="3899510"/>
+            <a:ext cx="3267231" cy="788613"/>
+          </a:xfrm>
+          <a:prstGeom prst="straightConnector1">
+            <a:avLst/>
+          </a:prstGeom>
+          <a:ln>
+            <a:headEnd type="triangle"/>
+            <a:tailEnd type="triangle"/>
+          </a:ln>
+        </p:spPr>
+        <p:style>
+          <a:lnRef idx="1">
+            <a:schemeClr val="accent1"/>
+          </a:lnRef>
+          <a:fillRef idx="0">
+            <a:schemeClr val="accent1"/>
+          </a:fillRef>
+          <a:effectRef idx="0">
+            <a:schemeClr val="accent1"/>
+          </a:effectRef>
+          <a:fontRef idx="minor">
+            <a:schemeClr val="tx1"/>
+          </a:fontRef>
+        </p:style>
+      </p:cxnSp>
+      <p:sp>
+        <p:nvSpPr>
+          <p:cNvPr id="22" name="Cylindre 21">
+            <a:extLst>
+              <a:ext uri="{FF2B5EF4-FFF2-40B4-BE49-F238E27FC236}">
+                <a16:creationId xmlns:a16="http://schemas.microsoft.com/office/drawing/2014/main" id="{90FA8AC1-C139-4555-9CD7-C1C2E2121F71}"/>
+              </a:ext>
+            </a:extLst>
+          </p:cNvPr>
+          <p:cNvSpPr/>
+          <p:nvPr/>
+        </p:nvSpPr>
+        <p:spPr>
+          <a:xfrm>
+            <a:off x="7447913" y="5463293"/>
+            <a:ext cx="882556" cy="646675"/>
+          </a:xfrm>
+          <a:prstGeom prst="can">
+            <a:avLst/>
+          </a:prstGeom>
+        </p:spPr>
+        <p:style>
+          <a:lnRef idx="2">
+            <a:schemeClr val="accent1">
+              <a:shade val="50000"/>
+            </a:schemeClr>
+          </a:lnRef>
+          <a:fillRef idx="1">
+            <a:schemeClr val="accent1"/>
+          </a:fillRef>
+          <a:effectRef idx="0">
+            <a:schemeClr val="accent1"/>
+          </a:effectRef>
+          <a:fontRef idx="minor">
+            <a:schemeClr val="lt1"/>
+          </a:fontRef>
+        </p:style>
+        <p:txBody>
+          <a:bodyPr rtlCol="0" anchor="ctr"/>
+          <a:lstStyle/>
+          <a:p>
+            <a:pPr algn="ctr"/>
+            <a:r>
+              <a:rPr lang="fr-FR" dirty="0"/>
+              <a:t>SQL </a:t>
+            </a:r>
+            <a:r>
+              <a:rPr lang="fr-FR" dirty="0" err="1"/>
+              <a:t>Db</a:t>
+            </a:r>
+            <a:endParaRPr lang="fr-FR" dirty="0"/>
+          </a:p>
+        </p:txBody>
+      </p:sp>
+      <p:sp>
+        <p:nvSpPr>
+          <p:cNvPr id="23" name="Organigramme : Document 22">
+            <a:extLst>
+              <a:ext uri="{FF2B5EF4-FFF2-40B4-BE49-F238E27FC236}">
+                <a16:creationId xmlns:a16="http://schemas.microsoft.com/office/drawing/2014/main" id="{B9ECB7FE-91E0-4FAA-93C4-9CE2F6000A4E}"/>
+              </a:ext>
+            </a:extLst>
+          </p:cNvPr>
+          <p:cNvSpPr/>
+          <p:nvPr/>
+        </p:nvSpPr>
+        <p:spPr>
+          <a:xfrm>
+            <a:off x="4204172" y="5441112"/>
+            <a:ext cx="914400" cy="612648"/>
+          </a:xfrm>
+          <a:prstGeom prst="flowChartDocument">
+            <a:avLst/>
+          </a:prstGeom>
+        </p:spPr>
+        <p:style>
+          <a:lnRef idx="2">
+            <a:schemeClr val="accent1">
+              <a:shade val="50000"/>
+            </a:schemeClr>
+          </a:lnRef>
+          <a:fillRef idx="1">
+            <a:schemeClr val="accent1"/>
+          </a:fillRef>
+          <a:effectRef idx="0">
+            <a:schemeClr val="accent1"/>
+          </a:effectRef>
+          <a:fontRef idx="minor">
+            <a:schemeClr val="lt1"/>
+          </a:fontRef>
+        </p:style>
+        <p:txBody>
+          <a:bodyPr rtlCol="0" anchor="ctr"/>
+          <a:lstStyle/>
+          <a:p>
+            <a:pPr algn="ctr"/>
+            <a:r>
+              <a:rPr lang="fr-FR" dirty="0"/>
+              <a:t>CSV</a:t>
+            </a:r>
+          </a:p>
+        </p:txBody>
+      </p:sp>
+      <p:sp>
+        <p:nvSpPr>
+          <p:cNvPr id="24" name="Organigramme : Terminateur 23">
+            <a:extLst>
+              <a:ext uri="{FF2B5EF4-FFF2-40B4-BE49-F238E27FC236}">
+                <a16:creationId xmlns:a16="http://schemas.microsoft.com/office/drawing/2014/main" id="{8D66079C-9900-4F48-9341-B3B33DF1319C}"/>
+              </a:ext>
+            </a:extLst>
+          </p:cNvPr>
+          <p:cNvSpPr/>
+          <p:nvPr/>
+        </p:nvSpPr>
+        <p:spPr>
+          <a:xfrm>
+            <a:off x="1279127" y="5496086"/>
+            <a:ext cx="914400" cy="301752"/>
+          </a:xfrm>
+          <a:prstGeom prst="flowChartTerminator">
+            <a:avLst/>
+          </a:prstGeom>
+        </p:spPr>
+        <p:style>
+          <a:lnRef idx="2">
+            <a:schemeClr val="accent1">
+              <a:shade val="50000"/>
+            </a:schemeClr>
+          </a:lnRef>
+          <a:fillRef idx="1">
+            <a:schemeClr val="accent1"/>
+          </a:fillRef>
+          <a:effectRef idx="0">
+            <a:schemeClr val="accent1"/>
+          </a:effectRef>
+          <a:fontRef idx="minor">
+            <a:schemeClr val="lt1"/>
+          </a:fontRef>
+        </p:style>
+        <p:txBody>
+          <a:bodyPr rtlCol="0" anchor="ctr"/>
+          <a:lstStyle/>
+          <a:p>
+            <a:pPr algn="ctr"/>
+            <a:r>
+              <a:rPr lang="fr-FR" dirty="0"/>
+              <a:t>JSON</a:t>
+            </a:r>
+          </a:p>
+        </p:txBody>
+      </p:sp>
+      <p:cxnSp>
+        <p:nvCxnSpPr>
+          <p:cNvPr id="25" name="Connecteur droit avec flèche 24">
+            <a:extLst>
+              <a:ext uri="{FF2B5EF4-FFF2-40B4-BE49-F238E27FC236}">
+                <a16:creationId xmlns:a16="http://schemas.microsoft.com/office/drawing/2014/main" id="{6F0C7641-81EF-47BF-B97A-CF48C784A68D}"/>
+              </a:ext>
+            </a:extLst>
+          </p:cNvPr>
+          <p:cNvCxnSpPr>
+            <a:cxnSpLocks/>
+            <a:endCxn id="6" idx="0"/>
+          </p:cNvCxnSpPr>
+          <p:nvPr/>
+        </p:nvCxnSpPr>
+        <p:spPr>
+          <a:xfrm>
+            <a:off x="4661372" y="3007051"/>
+            <a:ext cx="1" cy="523127"/>
+          </a:xfrm>
+          <a:prstGeom prst="straightConnector1">
+            <a:avLst/>
+          </a:prstGeom>
+          <a:ln>
+            <a:headEnd type="triangle"/>
+            <a:tailEnd type="triangle"/>
+          </a:ln>
+        </p:spPr>
+        <p:style>
+          <a:lnRef idx="1">
+            <a:schemeClr val="accent1"/>
+          </a:lnRef>
+          <a:fillRef idx="0">
+            <a:schemeClr val="accent1"/>
+          </a:fillRef>
+          <a:effectRef idx="0">
+            <a:schemeClr val="accent1"/>
+          </a:effectRef>
+          <a:fontRef idx="minor">
+            <a:schemeClr val="tx1"/>
+          </a:fontRef>
+        </p:style>
+      </p:cxnSp>
+      <p:cxnSp>
+        <p:nvCxnSpPr>
+          <p:cNvPr id="27" name="Connecteur droit avec flèche 26">
+            <a:extLst>
+              <a:ext uri="{FF2B5EF4-FFF2-40B4-BE49-F238E27FC236}">
+                <a16:creationId xmlns:a16="http://schemas.microsoft.com/office/drawing/2014/main" id="{2E3D6009-4EEE-4A0E-B6F9-53671F0EDDE4}"/>
+              </a:ext>
+            </a:extLst>
+          </p:cNvPr>
+          <p:cNvCxnSpPr>
+            <a:cxnSpLocks/>
+          </p:cNvCxnSpPr>
+          <p:nvPr/>
+        </p:nvCxnSpPr>
+        <p:spPr>
+          <a:xfrm>
+            <a:off x="4661372" y="2099502"/>
+            <a:ext cx="1" cy="523127"/>
+          </a:xfrm>
+          <a:prstGeom prst="straightConnector1">
+            <a:avLst/>
+          </a:prstGeom>
+          <a:ln>
+            <a:headEnd type="triangle"/>
+            <a:tailEnd type="triangle"/>
+          </a:ln>
+        </p:spPr>
+        <p:style>
+          <a:lnRef idx="1">
+            <a:schemeClr val="accent1"/>
+          </a:lnRef>
+          <a:fillRef idx="0">
+            <a:schemeClr val="accent1"/>
+          </a:fillRef>
+          <a:effectRef idx="0">
+            <a:schemeClr val="accent1"/>
+          </a:effectRef>
+          <a:fontRef idx="minor">
+            <a:schemeClr val="tx1"/>
+          </a:fontRef>
+        </p:style>
+      </p:cxnSp>
+      <p:cxnSp>
+        <p:nvCxnSpPr>
+          <p:cNvPr id="28" name="Connecteur droit avec flèche 27">
+            <a:extLst>
+              <a:ext uri="{FF2B5EF4-FFF2-40B4-BE49-F238E27FC236}">
+                <a16:creationId xmlns:a16="http://schemas.microsoft.com/office/drawing/2014/main" id="{61A87B76-7901-419F-8720-9F16F13B60F2}"/>
+              </a:ext>
+            </a:extLst>
+          </p:cNvPr>
+          <p:cNvCxnSpPr>
+            <a:cxnSpLocks/>
+          </p:cNvCxnSpPr>
+          <p:nvPr/>
+        </p:nvCxnSpPr>
+        <p:spPr>
+          <a:xfrm>
+            <a:off x="1736326" y="5061286"/>
+            <a:ext cx="0" cy="363544"/>
+          </a:xfrm>
+          <a:prstGeom prst="straightConnector1">
+            <a:avLst/>
+          </a:prstGeom>
+          <a:ln>
+            <a:headEnd type="triangle"/>
+            <a:tailEnd type="triangle"/>
+          </a:ln>
+        </p:spPr>
+        <p:style>
+          <a:lnRef idx="1">
+            <a:schemeClr val="accent1"/>
+          </a:lnRef>
+          <a:fillRef idx="0">
+            <a:schemeClr val="accent1"/>
+          </a:fillRef>
+          <a:effectRef idx="0">
+            <a:schemeClr val="accent1"/>
+          </a:effectRef>
+          <a:fontRef idx="minor">
+            <a:schemeClr val="tx1"/>
+          </a:fontRef>
+        </p:style>
+      </p:cxnSp>
+      <p:cxnSp>
+        <p:nvCxnSpPr>
+          <p:cNvPr id="30" name="Connecteur droit avec flèche 29">
+            <a:extLst>
+              <a:ext uri="{FF2B5EF4-FFF2-40B4-BE49-F238E27FC236}">
+                <a16:creationId xmlns:a16="http://schemas.microsoft.com/office/drawing/2014/main" id="{5F69C445-13EB-4504-8987-F8D0C7F49DD5}"/>
+              </a:ext>
+            </a:extLst>
+          </p:cNvPr>
+          <p:cNvCxnSpPr>
+            <a:cxnSpLocks/>
+          </p:cNvCxnSpPr>
+          <p:nvPr/>
+        </p:nvCxnSpPr>
+        <p:spPr>
+          <a:xfrm>
+            <a:off x="4661372" y="5004420"/>
+            <a:ext cx="0" cy="363544"/>
+          </a:xfrm>
+          <a:prstGeom prst="straightConnector1">
+            <a:avLst/>
+          </a:prstGeom>
+          <a:ln>
+            <a:headEnd type="triangle"/>
+            <a:tailEnd type="triangle"/>
+          </a:ln>
+        </p:spPr>
+        <p:style>
+          <a:lnRef idx="1">
+            <a:schemeClr val="accent1"/>
+          </a:lnRef>
+          <a:fillRef idx="0">
+            <a:schemeClr val="accent1"/>
+          </a:fillRef>
+          <a:effectRef idx="0">
+            <a:schemeClr val="accent1"/>
+          </a:effectRef>
+          <a:fontRef idx="minor">
+            <a:schemeClr val="tx1"/>
+          </a:fontRef>
+        </p:style>
+      </p:cxnSp>
+      <p:cxnSp>
+        <p:nvCxnSpPr>
+          <p:cNvPr id="31" name="Connecteur droit avec flèche 30">
+            <a:extLst>
+              <a:ext uri="{FF2B5EF4-FFF2-40B4-BE49-F238E27FC236}">
+                <a16:creationId xmlns:a16="http://schemas.microsoft.com/office/drawing/2014/main" id="{15851CA3-125B-4246-977D-B051540E5DBC}"/>
+              </a:ext>
+            </a:extLst>
+          </p:cNvPr>
+          <p:cNvCxnSpPr>
+            <a:cxnSpLocks/>
+          </p:cNvCxnSpPr>
+          <p:nvPr/>
+        </p:nvCxnSpPr>
+        <p:spPr>
+          <a:xfrm>
+            <a:off x="7889191" y="5009012"/>
+            <a:ext cx="0" cy="363544"/>
+          </a:xfrm>
+          <a:prstGeom prst="straightConnector1">
+            <a:avLst/>
+          </a:prstGeom>
+          <a:ln>
+            <a:headEnd type="triangle"/>
+            <a:tailEnd type="triangle"/>
+          </a:ln>
+        </p:spPr>
+        <p:style>
+          <a:lnRef idx="1">
+            <a:schemeClr val="accent1"/>
+          </a:lnRef>
+          <a:fillRef idx="0">
+            <a:schemeClr val="accent1"/>
+          </a:fillRef>
+          <a:effectRef idx="0">
+            <a:schemeClr val="accent1"/>
+          </a:effectRef>
+          <a:fontRef idx="minor">
+            <a:schemeClr val="tx1"/>
+          </a:fontRef>
+        </p:style>
+      </p:cxnSp>
+      <p:sp>
+        <p:nvSpPr>
+          <p:cNvPr id="37" name="Flèche : bas 36">
+            <a:extLst>
+              <a:ext uri="{FF2B5EF4-FFF2-40B4-BE49-F238E27FC236}">
+                <a16:creationId xmlns:a16="http://schemas.microsoft.com/office/drawing/2014/main" id="{C5A93B04-51B2-4D73-94B3-9DFDDA4E3C3D}"/>
+              </a:ext>
+            </a:extLst>
+          </p:cNvPr>
+          <p:cNvSpPr/>
+          <p:nvPr/>
+        </p:nvSpPr>
+        <p:spPr>
+          <a:xfrm rot="2755033">
+            <a:off x="6184180" y="4587344"/>
+            <a:ext cx="205466" cy="404884"/>
+          </a:xfrm>
+          <a:prstGeom prst="downArrow">
+            <a:avLst/>
+          </a:prstGeom>
+          <a:solidFill>
+            <a:srgbClr val="C00000"/>
+          </a:solidFill>
+          <a:ln>
+            <a:solidFill>
+              <a:srgbClr val="FF0000"/>
+            </a:solidFill>
+          </a:ln>
+        </p:spPr>
+        <p:style>
+          <a:lnRef idx="2">
+            <a:schemeClr val="accent1">
+              <a:shade val="50000"/>
+            </a:schemeClr>
+          </a:lnRef>
+          <a:fillRef idx="1">
+            <a:schemeClr val="accent1"/>
+          </a:fillRef>
+          <a:effectRef idx="0">
+            <a:schemeClr val="accent1"/>
+          </a:effectRef>
+          <a:fontRef idx="minor">
+            <a:schemeClr val="lt1"/>
+          </a:fontRef>
+        </p:style>
+        <p:txBody>
+          <a:bodyPr rtlCol="0" anchor="ctr"/>
+          <a:lstStyle/>
+          <a:p>
+            <a:pPr algn="ctr"/>
+            <a:endParaRPr lang="fr-FR"/>
+          </a:p>
+        </p:txBody>
+      </p:sp>
+      <p:sp>
+        <p:nvSpPr>
+          <p:cNvPr id="38" name="Rectangle 37">
+            <a:extLst>
+              <a:ext uri="{FF2B5EF4-FFF2-40B4-BE49-F238E27FC236}">
+                <a16:creationId xmlns:a16="http://schemas.microsoft.com/office/drawing/2014/main" id="{3F349B4C-DDDF-483E-B9C8-0944B1877F92}"/>
+              </a:ext>
+            </a:extLst>
+          </p:cNvPr>
+          <p:cNvSpPr/>
+          <p:nvPr/>
+        </p:nvSpPr>
+        <p:spPr>
+          <a:xfrm>
+            <a:off x="3500577" y="4587047"/>
+            <a:ext cx="2533680" cy="1607133"/>
+          </a:xfrm>
+          <a:prstGeom prst="rect">
+            <a:avLst/>
+          </a:prstGeom>
+          <a:noFill/>
+          <a:ln>
+            <a:solidFill>
+              <a:srgbClr val="FF0000"/>
+            </a:solidFill>
+            <a:prstDash val="sysDash"/>
+          </a:ln>
+        </p:spPr>
+        <p:style>
+          <a:lnRef idx="2">
+            <a:schemeClr val="accent1">
+              <a:shade val="50000"/>
+            </a:schemeClr>
+          </a:lnRef>
+          <a:fillRef idx="1">
+            <a:schemeClr val="accent1"/>
+          </a:fillRef>
+          <a:effectRef idx="0">
+            <a:schemeClr val="accent1"/>
+          </a:effectRef>
+          <a:fontRef idx="minor">
+            <a:schemeClr val="lt1"/>
+          </a:fontRef>
+        </p:style>
+        <p:txBody>
+          <a:bodyPr rtlCol="0" anchor="ctr"/>
+          <a:lstStyle/>
+          <a:p>
+            <a:pPr algn="ctr"/>
+            <a:endParaRPr lang="fr-FR"/>
+          </a:p>
+        </p:txBody>
+      </p:sp>
+    </p:spTree>
+    <p:extLst>
+      <p:ext uri="{BB962C8B-B14F-4D97-AF65-F5344CB8AC3E}">
+        <p14:creationId xmlns:p14="http://schemas.microsoft.com/office/powerpoint/2010/main" val="1933786804"/>
+      </p:ext>
+    </p:extLst>
+  </p:cSld>
+  <p:clrMapOvr>
+    <a:masterClrMapping/>
+  </p:clrMapOvr>
+</p:sld>
+</file>
+
+<file path=ppt/slides/slide12.xml><?xml version="1.0" encoding="utf-8"?>
+<p:sld xmlns:a="http://schemas.openxmlformats.org/drawingml/2006/main" xmlns:r="http://schemas.openxmlformats.org/officeDocument/2006/relationships" xmlns:p="http://schemas.openxmlformats.org/presentationml/2006/main">
+  <p:cSld>
+    <p:spTree>
+      <p:nvGrpSpPr>
+        <p:cNvPr id="1" name=""/>
+        <p:cNvGrpSpPr/>
+        <p:nvPr/>
+      </p:nvGrpSpPr>
+      <p:grpSpPr>
+        <a:xfrm>
+          <a:off x="0" y="0"/>
+          <a:ext cx="0" cy="0"/>
+          <a:chOff x="0" y="0"/>
+          <a:chExt cx="0" cy="0"/>
+        </a:xfrm>
+      </p:grpSpPr>
+      <p:sp>
+        <p:nvSpPr>
+          <p:cNvPr id="2" name="Titre 1">
+            <a:extLst>
+              <a:ext uri="{FF2B5EF4-FFF2-40B4-BE49-F238E27FC236}">
+                <a16:creationId xmlns:a16="http://schemas.microsoft.com/office/drawing/2014/main" id="{8E378170-2AB9-4B6A-BDA0-82E8DF835269}"/>
+              </a:ext>
+            </a:extLst>
+          </p:cNvPr>
+          <p:cNvSpPr>
+            <a:spLocks noGrp="1"/>
+          </p:cNvSpPr>
+          <p:nvPr>
+            <p:ph type="title"/>
+          </p:nvPr>
+        </p:nvSpPr>
+        <p:spPr/>
+        <p:txBody>
+          <a:bodyPr/>
+          <a:lstStyle/>
+          <a:p>
+            <a:r>
+              <a:rPr lang="fr-FR" dirty="0"/>
+              <a:t>TODO 5</a:t>
+            </a:r>
+          </a:p>
+        </p:txBody>
+      </p:sp>
+      <p:sp>
+        <p:nvSpPr>
+          <p:cNvPr id="3" name="Espace réservé du contenu 2">
+            <a:extLst>
+              <a:ext uri="{FF2B5EF4-FFF2-40B4-BE49-F238E27FC236}">
+                <a16:creationId xmlns:a16="http://schemas.microsoft.com/office/drawing/2014/main" id="{C79EF0C4-7AA7-4469-B847-1CC0896B652F}"/>
+              </a:ext>
+            </a:extLst>
+          </p:cNvPr>
+          <p:cNvSpPr>
+            <a:spLocks noGrp="1"/>
+          </p:cNvSpPr>
+          <p:nvPr>
+            <p:ph idx="1"/>
+          </p:nvPr>
+        </p:nvSpPr>
+        <p:spPr/>
+        <p:txBody>
+          <a:bodyPr/>
+          <a:lstStyle/>
+          <a:p>
+            <a:pPr lvl="1"/>
+            <a:endParaRPr lang="fr-FR" dirty="0"/>
+          </a:p>
+          <a:p>
+            <a:pPr lvl="1"/>
+            <a:endParaRPr lang="fr-FR" dirty="0"/>
+          </a:p>
+          <a:p>
+            <a:endParaRPr lang="fr-FR" dirty="0"/>
+          </a:p>
+        </p:txBody>
+      </p:sp>
+      <p:sp>
+        <p:nvSpPr>
+          <p:cNvPr id="4" name="ZoneTexte 3">
+            <a:extLst>
+              <a:ext uri="{FF2B5EF4-FFF2-40B4-BE49-F238E27FC236}">
+                <a16:creationId xmlns:a16="http://schemas.microsoft.com/office/drawing/2014/main" id="{B71CFD0C-81BC-4C87-A4A8-FB1D247B076B}"/>
+              </a:ext>
+            </a:extLst>
+          </p:cNvPr>
+          <p:cNvSpPr txBox="1"/>
+          <p:nvPr/>
+        </p:nvSpPr>
+        <p:spPr>
+          <a:xfrm>
+            <a:off x="4387516" y="1715081"/>
+            <a:ext cx="547714" cy="369332"/>
+          </a:xfrm>
+          <a:prstGeom prst="rect">
+            <a:avLst/>
+          </a:prstGeom>
+          <a:noFill/>
+        </p:spPr>
+        <p:txBody>
+          <a:bodyPr wrap="none" rtlCol="0">
+            <a:spAutoFit/>
+          </a:bodyPr>
+          <a:lstStyle/>
+          <a:p>
+            <a:r>
+              <a:rPr lang="fr-FR" dirty="0"/>
+              <a:t>Vue</a:t>
+            </a:r>
+          </a:p>
+        </p:txBody>
+      </p:sp>
+      <p:sp>
+        <p:nvSpPr>
+          <p:cNvPr id="5" name="ZoneTexte 4">
+            <a:extLst>
+              <a:ext uri="{FF2B5EF4-FFF2-40B4-BE49-F238E27FC236}">
+                <a16:creationId xmlns:a16="http://schemas.microsoft.com/office/drawing/2014/main" id="{3A4C4936-617E-4B16-BB80-5EE835781568}"/>
+              </a:ext>
+            </a:extLst>
+          </p:cNvPr>
+          <p:cNvSpPr txBox="1"/>
+          <p:nvPr/>
+        </p:nvSpPr>
+        <p:spPr>
+          <a:xfrm>
+            <a:off x="3972946" y="2381279"/>
+            <a:ext cx="1376852" cy="369332"/>
+          </a:xfrm>
+          <a:prstGeom prst="rect">
+            <a:avLst/>
+          </a:prstGeom>
+          <a:noFill/>
+        </p:spPr>
+        <p:txBody>
+          <a:bodyPr wrap="none" rtlCol="0">
+            <a:spAutoFit/>
+          </a:bodyPr>
+          <a:lstStyle/>
+          <a:p>
+            <a:r>
+              <a:rPr lang="fr-FR" dirty="0"/>
+              <a:t>Présentation</a:t>
+            </a:r>
+          </a:p>
+        </p:txBody>
+      </p:sp>
+      <p:sp>
+        <p:nvSpPr>
+          <p:cNvPr id="6" name="ZoneTexte 5">
+            <a:extLst>
+              <a:ext uri="{FF2B5EF4-FFF2-40B4-BE49-F238E27FC236}">
+                <a16:creationId xmlns:a16="http://schemas.microsoft.com/office/drawing/2014/main" id="{C8043AF5-E471-4979-A557-C72215B15C82}"/>
+              </a:ext>
+            </a:extLst>
+          </p:cNvPr>
+          <p:cNvSpPr txBox="1"/>
+          <p:nvPr/>
+        </p:nvSpPr>
+        <p:spPr>
+          <a:xfrm>
+            <a:off x="4150399" y="3945934"/>
+            <a:ext cx="1021946" cy="369332"/>
+          </a:xfrm>
+          <a:prstGeom prst="rect">
+            <a:avLst/>
+          </a:prstGeom>
+          <a:noFill/>
+        </p:spPr>
+        <p:txBody>
+          <a:bodyPr wrap="none" rtlCol="0">
+            <a:spAutoFit/>
+          </a:bodyPr>
+          <a:lstStyle/>
+          <a:p>
+            <a:r>
+              <a:rPr lang="fr-FR" dirty="0"/>
+              <a:t>Interface</a:t>
+            </a:r>
+          </a:p>
+        </p:txBody>
+      </p:sp>
+      <p:sp>
+        <p:nvSpPr>
+          <p:cNvPr id="7" name="ZoneTexte 6">
+            <a:extLst>
+              <a:ext uri="{FF2B5EF4-FFF2-40B4-BE49-F238E27FC236}">
+                <a16:creationId xmlns:a16="http://schemas.microsoft.com/office/drawing/2014/main" id="{ACFCE17F-7B8A-4B15-BCCE-72B956622D38}"/>
+              </a:ext>
+            </a:extLst>
+          </p:cNvPr>
+          <p:cNvSpPr txBox="1"/>
+          <p:nvPr/>
+        </p:nvSpPr>
+        <p:spPr>
+          <a:xfrm>
+            <a:off x="890337" y="4688123"/>
+            <a:ext cx="1916102" cy="369332"/>
+          </a:xfrm>
+          <a:prstGeom prst="rect">
+            <a:avLst/>
+          </a:prstGeom>
+          <a:noFill/>
+        </p:spPr>
+        <p:txBody>
+          <a:bodyPr wrap="none" rtlCol="0">
+            <a:spAutoFit/>
+          </a:bodyPr>
+          <a:lstStyle/>
+          <a:p>
+            <a:r>
+              <a:rPr lang="fr-FR" dirty="0"/>
+              <a:t>Service Repository</a:t>
+            </a:r>
+          </a:p>
+        </p:txBody>
+      </p:sp>
+      <p:sp>
+        <p:nvSpPr>
+          <p:cNvPr id="8" name="ZoneTexte 7">
+            <a:extLst>
+              <a:ext uri="{FF2B5EF4-FFF2-40B4-BE49-F238E27FC236}">
+                <a16:creationId xmlns:a16="http://schemas.microsoft.com/office/drawing/2014/main" id="{820C0E42-0F83-426C-B965-3F163F0D3C9A}"/>
+              </a:ext>
+            </a:extLst>
+          </p:cNvPr>
+          <p:cNvSpPr txBox="1"/>
+          <p:nvPr/>
+        </p:nvSpPr>
+        <p:spPr>
+          <a:xfrm>
+            <a:off x="3860673" y="4688123"/>
+            <a:ext cx="1601400" cy="369332"/>
+          </a:xfrm>
+          <a:prstGeom prst="rect">
+            <a:avLst/>
+          </a:prstGeom>
+          <a:noFill/>
+        </p:spPr>
+        <p:txBody>
+          <a:bodyPr wrap="none" rtlCol="0">
+            <a:spAutoFit/>
+          </a:bodyPr>
+          <a:lstStyle/>
+          <a:p>
+            <a:r>
+              <a:rPr lang="fr-FR" dirty="0"/>
+              <a:t>CSV Repository</a:t>
+            </a:r>
+          </a:p>
+        </p:txBody>
+      </p:sp>
+      <p:sp>
+        <p:nvSpPr>
+          <p:cNvPr id="9" name="ZoneTexte 8">
+            <a:extLst>
+              <a:ext uri="{FF2B5EF4-FFF2-40B4-BE49-F238E27FC236}">
+                <a16:creationId xmlns:a16="http://schemas.microsoft.com/office/drawing/2014/main" id="{9CDF8415-A8BC-449D-9A42-EF4B85597317}"/>
+              </a:ext>
+            </a:extLst>
+          </p:cNvPr>
+          <p:cNvSpPr txBox="1"/>
+          <p:nvPr/>
+        </p:nvSpPr>
+        <p:spPr>
+          <a:xfrm>
+            <a:off x="7127904" y="4688123"/>
+            <a:ext cx="1601400" cy="369332"/>
+          </a:xfrm>
+          <a:prstGeom prst="rect">
+            <a:avLst/>
+          </a:prstGeom>
+          <a:noFill/>
+        </p:spPr>
+        <p:txBody>
+          <a:bodyPr wrap="none" rtlCol="0">
+            <a:spAutoFit/>
+          </a:bodyPr>
+          <a:lstStyle/>
+          <a:p>
+            <a:r>
+              <a:rPr lang="fr-FR" dirty="0"/>
+              <a:t>SQL Repository</a:t>
+            </a:r>
+          </a:p>
+        </p:txBody>
+      </p:sp>
+      <p:cxnSp>
+        <p:nvCxnSpPr>
+          <p:cNvPr id="11" name="Connecteur droit avec flèche 10">
+            <a:extLst>
+              <a:ext uri="{FF2B5EF4-FFF2-40B4-BE49-F238E27FC236}">
+                <a16:creationId xmlns:a16="http://schemas.microsoft.com/office/drawing/2014/main" id="{4312440C-A66D-4373-ABE9-9008089F3D03}"/>
+              </a:ext>
+            </a:extLst>
+          </p:cNvPr>
+          <p:cNvCxnSpPr>
+            <a:cxnSpLocks/>
+          </p:cNvCxnSpPr>
+          <p:nvPr/>
+        </p:nvCxnSpPr>
+        <p:spPr>
+          <a:xfrm flipH="1">
+            <a:off x="1800231" y="4367234"/>
+            <a:ext cx="2827916" cy="272946"/>
+          </a:xfrm>
+          <a:prstGeom prst="straightConnector1">
+            <a:avLst/>
+          </a:prstGeom>
+          <a:ln>
+            <a:headEnd type="triangle"/>
+            <a:tailEnd type="triangle"/>
+          </a:ln>
+        </p:spPr>
+        <p:style>
+          <a:lnRef idx="1">
+            <a:schemeClr val="accent1"/>
+          </a:lnRef>
+          <a:fillRef idx="0">
+            <a:schemeClr val="accent1"/>
+          </a:fillRef>
+          <a:effectRef idx="0">
+            <a:schemeClr val="accent1"/>
+          </a:effectRef>
+          <a:fontRef idx="minor">
+            <a:schemeClr val="tx1"/>
+          </a:fontRef>
+        </p:style>
+      </p:cxnSp>
+      <p:cxnSp>
+        <p:nvCxnSpPr>
+          <p:cNvPr id="15" name="Connecteur droit avec flèche 14">
+            <a:extLst>
+              <a:ext uri="{FF2B5EF4-FFF2-40B4-BE49-F238E27FC236}">
+                <a16:creationId xmlns:a16="http://schemas.microsoft.com/office/drawing/2014/main" id="{20B22E5A-6884-450B-97DB-921E71C524B2}"/>
+              </a:ext>
+            </a:extLst>
+          </p:cNvPr>
+          <p:cNvCxnSpPr>
+            <a:cxnSpLocks/>
+            <a:endCxn id="8" idx="0"/>
+          </p:cNvCxnSpPr>
+          <p:nvPr/>
+        </p:nvCxnSpPr>
+        <p:spPr>
+          <a:xfrm>
+            <a:off x="4661372" y="4371474"/>
+            <a:ext cx="1" cy="316649"/>
+          </a:xfrm>
+          <a:prstGeom prst="straightConnector1">
+            <a:avLst/>
+          </a:prstGeom>
+          <a:ln>
+            <a:headEnd type="triangle"/>
+            <a:tailEnd type="triangle"/>
+          </a:ln>
+        </p:spPr>
+        <p:style>
+          <a:lnRef idx="1">
+            <a:schemeClr val="accent1"/>
+          </a:lnRef>
+          <a:fillRef idx="0">
+            <a:schemeClr val="accent1"/>
+          </a:fillRef>
+          <a:effectRef idx="0">
+            <a:schemeClr val="accent1"/>
+          </a:effectRef>
+          <a:fontRef idx="minor">
+            <a:schemeClr val="tx1"/>
+          </a:fontRef>
+        </p:style>
+      </p:cxnSp>
+      <p:cxnSp>
+        <p:nvCxnSpPr>
+          <p:cNvPr id="16" name="Connecteur droit avec flèche 15">
+            <a:extLst>
+              <a:ext uri="{FF2B5EF4-FFF2-40B4-BE49-F238E27FC236}">
+                <a16:creationId xmlns:a16="http://schemas.microsoft.com/office/drawing/2014/main" id="{A8237F04-C432-4BA8-8B7D-C9B720CD9E9E}"/>
+              </a:ext>
+            </a:extLst>
+          </p:cNvPr>
+          <p:cNvCxnSpPr>
+            <a:cxnSpLocks/>
+            <a:endCxn id="9" idx="0"/>
+          </p:cNvCxnSpPr>
+          <p:nvPr/>
+        </p:nvCxnSpPr>
+        <p:spPr>
+          <a:xfrm>
+            <a:off x="4661372" y="4371474"/>
+            <a:ext cx="3267232" cy="316649"/>
+          </a:xfrm>
+          <a:prstGeom prst="straightConnector1">
+            <a:avLst/>
+          </a:prstGeom>
+          <a:ln>
+            <a:headEnd type="triangle"/>
+            <a:tailEnd type="triangle"/>
+          </a:ln>
+        </p:spPr>
+        <p:style>
+          <a:lnRef idx="1">
+            <a:schemeClr val="accent1"/>
+          </a:lnRef>
+          <a:fillRef idx="0">
+            <a:schemeClr val="accent1"/>
+          </a:fillRef>
+          <a:effectRef idx="0">
+            <a:schemeClr val="accent1"/>
+          </a:effectRef>
+          <a:fontRef idx="minor">
+            <a:schemeClr val="tx1"/>
+          </a:fontRef>
+        </p:style>
+      </p:cxnSp>
+      <p:sp>
+        <p:nvSpPr>
+          <p:cNvPr id="22" name="Cylindre 21">
+            <a:extLst>
+              <a:ext uri="{FF2B5EF4-FFF2-40B4-BE49-F238E27FC236}">
+                <a16:creationId xmlns:a16="http://schemas.microsoft.com/office/drawing/2014/main" id="{90FA8AC1-C139-4555-9CD7-C1C2E2121F71}"/>
+              </a:ext>
+            </a:extLst>
+          </p:cNvPr>
+          <p:cNvSpPr/>
+          <p:nvPr/>
+        </p:nvSpPr>
+        <p:spPr>
+          <a:xfrm>
+            <a:off x="7447913" y="5463293"/>
+            <a:ext cx="882556" cy="646675"/>
+          </a:xfrm>
+          <a:prstGeom prst="can">
+            <a:avLst/>
+          </a:prstGeom>
+        </p:spPr>
+        <p:style>
+          <a:lnRef idx="2">
+            <a:schemeClr val="accent1">
+              <a:shade val="50000"/>
+            </a:schemeClr>
+          </a:lnRef>
+          <a:fillRef idx="1">
+            <a:schemeClr val="accent1"/>
+          </a:fillRef>
+          <a:effectRef idx="0">
+            <a:schemeClr val="accent1"/>
+          </a:effectRef>
+          <a:fontRef idx="minor">
+            <a:schemeClr val="lt1"/>
+          </a:fontRef>
+        </p:style>
+        <p:txBody>
+          <a:bodyPr rtlCol="0" anchor="ctr"/>
+          <a:lstStyle/>
+          <a:p>
+            <a:pPr algn="ctr"/>
+            <a:r>
+              <a:rPr lang="fr-FR" dirty="0"/>
+              <a:t>SQL </a:t>
+            </a:r>
+            <a:r>
+              <a:rPr lang="fr-FR" dirty="0" err="1"/>
+              <a:t>Db</a:t>
+            </a:r>
+            <a:endParaRPr lang="fr-FR" dirty="0"/>
+          </a:p>
+        </p:txBody>
+      </p:sp>
+      <p:sp>
+        <p:nvSpPr>
+          <p:cNvPr id="23" name="Organigramme : Document 22">
+            <a:extLst>
+              <a:ext uri="{FF2B5EF4-FFF2-40B4-BE49-F238E27FC236}">
+                <a16:creationId xmlns:a16="http://schemas.microsoft.com/office/drawing/2014/main" id="{B9ECB7FE-91E0-4FAA-93C4-9CE2F6000A4E}"/>
+              </a:ext>
+            </a:extLst>
+          </p:cNvPr>
+          <p:cNvSpPr/>
+          <p:nvPr/>
+        </p:nvSpPr>
+        <p:spPr>
+          <a:xfrm>
+            <a:off x="4204172" y="5441112"/>
+            <a:ext cx="914400" cy="612648"/>
+          </a:xfrm>
+          <a:prstGeom prst="flowChartDocument">
+            <a:avLst/>
+          </a:prstGeom>
+        </p:spPr>
+        <p:style>
+          <a:lnRef idx="2">
+            <a:schemeClr val="accent1">
+              <a:shade val="50000"/>
+            </a:schemeClr>
+          </a:lnRef>
+          <a:fillRef idx="1">
+            <a:schemeClr val="accent1"/>
+          </a:fillRef>
+          <a:effectRef idx="0">
+            <a:schemeClr val="accent1"/>
+          </a:effectRef>
+          <a:fontRef idx="minor">
+            <a:schemeClr val="lt1"/>
+          </a:fontRef>
+        </p:style>
+        <p:txBody>
+          <a:bodyPr rtlCol="0" anchor="ctr"/>
+          <a:lstStyle/>
+          <a:p>
+            <a:pPr algn="ctr"/>
+            <a:r>
+              <a:rPr lang="fr-FR" dirty="0"/>
+              <a:t>CSV</a:t>
+            </a:r>
+          </a:p>
+        </p:txBody>
+      </p:sp>
+      <p:sp>
+        <p:nvSpPr>
+          <p:cNvPr id="24" name="Organigramme : Terminateur 23">
+            <a:extLst>
+              <a:ext uri="{FF2B5EF4-FFF2-40B4-BE49-F238E27FC236}">
+                <a16:creationId xmlns:a16="http://schemas.microsoft.com/office/drawing/2014/main" id="{8D66079C-9900-4F48-9341-B3B33DF1319C}"/>
+              </a:ext>
+            </a:extLst>
+          </p:cNvPr>
+          <p:cNvSpPr/>
+          <p:nvPr/>
+        </p:nvSpPr>
+        <p:spPr>
+          <a:xfrm>
+            <a:off x="1279127" y="5496086"/>
+            <a:ext cx="914400" cy="301752"/>
+          </a:xfrm>
+          <a:prstGeom prst="flowChartTerminator">
+            <a:avLst/>
+          </a:prstGeom>
+        </p:spPr>
+        <p:style>
+          <a:lnRef idx="2">
+            <a:schemeClr val="accent1">
+              <a:shade val="50000"/>
+            </a:schemeClr>
+          </a:lnRef>
+          <a:fillRef idx="1">
+            <a:schemeClr val="accent1"/>
+          </a:fillRef>
+          <a:effectRef idx="0">
+            <a:schemeClr val="accent1"/>
+          </a:effectRef>
+          <a:fontRef idx="minor">
+            <a:schemeClr val="lt1"/>
+          </a:fontRef>
+        </p:style>
+        <p:txBody>
+          <a:bodyPr rtlCol="0" anchor="ctr"/>
+          <a:lstStyle/>
+          <a:p>
+            <a:pPr algn="ctr"/>
+            <a:r>
+              <a:rPr lang="fr-FR" dirty="0"/>
+              <a:t>JSON</a:t>
+            </a:r>
+          </a:p>
+        </p:txBody>
+      </p:sp>
+      <p:cxnSp>
+        <p:nvCxnSpPr>
+          <p:cNvPr id="25" name="Connecteur droit avec flèche 24">
+            <a:extLst>
+              <a:ext uri="{FF2B5EF4-FFF2-40B4-BE49-F238E27FC236}">
+                <a16:creationId xmlns:a16="http://schemas.microsoft.com/office/drawing/2014/main" id="{6F0C7641-81EF-47BF-B97A-CF48C784A68D}"/>
+              </a:ext>
+            </a:extLst>
+          </p:cNvPr>
+          <p:cNvCxnSpPr>
+            <a:cxnSpLocks/>
+          </p:cNvCxnSpPr>
+          <p:nvPr/>
+        </p:nvCxnSpPr>
+        <p:spPr>
+          <a:xfrm>
+            <a:off x="4661372" y="2659738"/>
+            <a:ext cx="0" cy="295111"/>
+          </a:xfrm>
+          <a:prstGeom prst="straightConnector1">
+            <a:avLst/>
+          </a:prstGeom>
+          <a:ln>
+            <a:headEnd type="triangle"/>
+            <a:tailEnd type="triangle"/>
+          </a:ln>
+        </p:spPr>
+        <p:style>
+          <a:lnRef idx="1">
+            <a:schemeClr val="accent1"/>
+          </a:lnRef>
+          <a:fillRef idx="0">
+            <a:schemeClr val="accent1"/>
+          </a:fillRef>
+          <a:effectRef idx="0">
+            <a:schemeClr val="accent1"/>
+          </a:effectRef>
+          <a:fontRef idx="minor">
+            <a:schemeClr val="tx1"/>
+          </a:fontRef>
+        </p:style>
+      </p:cxnSp>
+      <p:cxnSp>
+        <p:nvCxnSpPr>
+          <p:cNvPr id="27" name="Connecteur droit avec flèche 26">
+            <a:extLst>
+              <a:ext uri="{FF2B5EF4-FFF2-40B4-BE49-F238E27FC236}">
+                <a16:creationId xmlns:a16="http://schemas.microsoft.com/office/drawing/2014/main" id="{2E3D6009-4EEE-4A0E-B6F9-53671F0EDDE4}"/>
+              </a:ext>
+            </a:extLst>
+          </p:cNvPr>
+          <p:cNvCxnSpPr>
+            <a:cxnSpLocks/>
+          </p:cNvCxnSpPr>
+          <p:nvPr/>
+        </p:nvCxnSpPr>
+        <p:spPr>
+          <a:xfrm>
+            <a:off x="4661372" y="2099502"/>
+            <a:ext cx="0" cy="354243"/>
+          </a:xfrm>
+          <a:prstGeom prst="straightConnector1">
+            <a:avLst/>
+          </a:prstGeom>
+          <a:ln>
+            <a:headEnd type="triangle"/>
+            <a:tailEnd type="triangle"/>
+          </a:ln>
+        </p:spPr>
+        <p:style>
+          <a:lnRef idx="1">
+            <a:schemeClr val="accent1"/>
+          </a:lnRef>
+          <a:fillRef idx="0">
+            <a:schemeClr val="accent1"/>
+          </a:fillRef>
+          <a:effectRef idx="0">
+            <a:schemeClr val="accent1"/>
+          </a:effectRef>
+          <a:fontRef idx="minor">
+            <a:schemeClr val="tx1"/>
+          </a:fontRef>
+        </p:style>
+      </p:cxnSp>
+      <p:cxnSp>
+        <p:nvCxnSpPr>
+          <p:cNvPr id="28" name="Connecteur droit avec flèche 27">
+            <a:extLst>
+              <a:ext uri="{FF2B5EF4-FFF2-40B4-BE49-F238E27FC236}">
+                <a16:creationId xmlns:a16="http://schemas.microsoft.com/office/drawing/2014/main" id="{61A87B76-7901-419F-8720-9F16F13B60F2}"/>
+              </a:ext>
+            </a:extLst>
+          </p:cNvPr>
+          <p:cNvCxnSpPr>
+            <a:cxnSpLocks/>
+          </p:cNvCxnSpPr>
+          <p:nvPr/>
+        </p:nvCxnSpPr>
+        <p:spPr>
+          <a:xfrm>
+            <a:off x="1736326" y="5061286"/>
+            <a:ext cx="0" cy="363544"/>
+          </a:xfrm>
+          <a:prstGeom prst="straightConnector1">
+            <a:avLst/>
+          </a:prstGeom>
+          <a:ln>
+            <a:headEnd type="triangle"/>
+            <a:tailEnd type="triangle"/>
+          </a:ln>
+        </p:spPr>
+        <p:style>
+          <a:lnRef idx="1">
+            <a:schemeClr val="accent1"/>
+          </a:lnRef>
+          <a:fillRef idx="0">
+            <a:schemeClr val="accent1"/>
+          </a:fillRef>
+          <a:effectRef idx="0">
+            <a:schemeClr val="accent1"/>
+          </a:effectRef>
+          <a:fontRef idx="minor">
+            <a:schemeClr val="tx1"/>
+          </a:fontRef>
+        </p:style>
+      </p:cxnSp>
+      <p:cxnSp>
+        <p:nvCxnSpPr>
+          <p:cNvPr id="30" name="Connecteur droit avec flèche 29">
+            <a:extLst>
+              <a:ext uri="{FF2B5EF4-FFF2-40B4-BE49-F238E27FC236}">
+                <a16:creationId xmlns:a16="http://schemas.microsoft.com/office/drawing/2014/main" id="{5F69C445-13EB-4504-8987-F8D0C7F49DD5}"/>
+              </a:ext>
+            </a:extLst>
+          </p:cNvPr>
+          <p:cNvCxnSpPr>
+            <a:cxnSpLocks/>
+          </p:cNvCxnSpPr>
+          <p:nvPr/>
+        </p:nvCxnSpPr>
+        <p:spPr>
+          <a:xfrm>
+            <a:off x="4661372" y="5004420"/>
+            <a:ext cx="0" cy="363544"/>
+          </a:xfrm>
+          <a:prstGeom prst="straightConnector1">
+            <a:avLst/>
+          </a:prstGeom>
+          <a:ln>
+            <a:headEnd type="triangle"/>
+            <a:tailEnd type="triangle"/>
+          </a:ln>
+        </p:spPr>
+        <p:style>
+          <a:lnRef idx="1">
+            <a:schemeClr val="accent1"/>
+          </a:lnRef>
+          <a:fillRef idx="0">
+            <a:schemeClr val="accent1"/>
+          </a:fillRef>
+          <a:effectRef idx="0">
+            <a:schemeClr val="accent1"/>
+          </a:effectRef>
+          <a:fontRef idx="minor">
+            <a:schemeClr val="tx1"/>
+          </a:fontRef>
+        </p:style>
+      </p:cxnSp>
+      <p:cxnSp>
+        <p:nvCxnSpPr>
+          <p:cNvPr id="31" name="Connecteur droit avec flèche 30">
+            <a:extLst>
+              <a:ext uri="{FF2B5EF4-FFF2-40B4-BE49-F238E27FC236}">
+                <a16:creationId xmlns:a16="http://schemas.microsoft.com/office/drawing/2014/main" id="{15851CA3-125B-4246-977D-B051540E5DBC}"/>
+              </a:ext>
+            </a:extLst>
+          </p:cNvPr>
+          <p:cNvCxnSpPr>
+            <a:cxnSpLocks/>
+          </p:cNvCxnSpPr>
+          <p:nvPr/>
+        </p:nvCxnSpPr>
+        <p:spPr>
+          <a:xfrm>
+            <a:off x="7889191" y="5009012"/>
+            <a:ext cx="0" cy="363544"/>
+          </a:xfrm>
+          <a:prstGeom prst="straightConnector1">
+            <a:avLst/>
+          </a:prstGeom>
+          <a:ln>
+            <a:headEnd type="triangle"/>
+            <a:tailEnd type="triangle"/>
+          </a:ln>
+        </p:spPr>
+        <p:style>
+          <a:lnRef idx="1">
+            <a:schemeClr val="accent1"/>
+          </a:lnRef>
+          <a:fillRef idx="0">
+            <a:schemeClr val="accent1"/>
+          </a:fillRef>
+          <a:effectRef idx="0">
+            <a:schemeClr val="accent1"/>
+          </a:effectRef>
+          <a:fontRef idx="minor">
+            <a:schemeClr val="tx1"/>
+          </a:fontRef>
+        </p:style>
+      </p:cxnSp>
+      <p:sp>
+        <p:nvSpPr>
+          <p:cNvPr id="10" name="Flèche : bas 9">
+            <a:extLst>
+              <a:ext uri="{FF2B5EF4-FFF2-40B4-BE49-F238E27FC236}">
+                <a16:creationId xmlns:a16="http://schemas.microsoft.com/office/drawing/2014/main" id="{0B2CED15-3080-45F4-B1F9-97200DC52C6C}"/>
+              </a:ext>
+            </a:extLst>
+          </p:cNvPr>
+          <p:cNvSpPr/>
+          <p:nvPr/>
+        </p:nvSpPr>
+        <p:spPr>
+          <a:xfrm rot="2755033">
+            <a:off x="5900623" y="2847811"/>
+            <a:ext cx="205466" cy="404884"/>
+          </a:xfrm>
+          <a:prstGeom prst="downArrow">
+            <a:avLst/>
+          </a:prstGeom>
+          <a:solidFill>
+            <a:srgbClr val="C00000"/>
+          </a:solidFill>
+          <a:ln>
+            <a:solidFill>
+              <a:srgbClr val="FF0000"/>
+            </a:solidFill>
+          </a:ln>
+        </p:spPr>
+        <p:style>
+          <a:lnRef idx="2">
+            <a:schemeClr val="accent1">
+              <a:shade val="50000"/>
+            </a:schemeClr>
+          </a:lnRef>
+          <a:fillRef idx="1">
+            <a:schemeClr val="accent1"/>
+          </a:fillRef>
+          <a:effectRef idx="0">
+            <a:schemeClr val="accent1"/>
+          </a:effectRef>
+          <a:fontRef idx="minor">
+            <a:schemeClr val="lt1"/>
+          </a:fontRef>
+        </p:style>
+        <p:txBody>
+          <a:bodyPr rtlCol="0" anchor="ctr"/>
+          <a:lstStyle/>
+          <a:p>
+            <a:pPr algn="ctr"/>
+            <a:endParaRPr lang="fr-FR"/>
+          </a:p>
+        </p:txBody>
+      </p:sp>
+      <p:sp>
+        <p:nvSpPr>
+          <p:cNvPr id="12" name="Rectangle 11">
+            <a:extLst>
+              <a:ext uri="{FF2B5EF4-FFF2-40B4-BE49-F238E27FC236}">
+                <a16:creationId xmlns:a16="http://schemas.microsoft.com/office/drawing/2014/main" id="{43847238-8CF9-44C5-8309-350D432BB750}"/>
+              </a:ext>
+            </a:extLst>
+          </p:cNvPr>
+          <p:cNvSpPr/>
+          <p:nvPr/>
+        </p:nvSpPr>
+        <p:spPr>
+          <a:xfrm>
+            <a:off x="3713747" y="2817995"/>
+            <a:ext cx="2034122" cy="1101955"/>
+          </a:xfrm>
+          <a:prstGeom prst="rect">
+            <a:avLst/>
+          </a:prstGeom>
+          <a:noFill/>
+          <a:ln>
+            <a:solidFill>
+              <a:srgbClr val="FF0000"/>
+            </a:solidFill>
+            <a:prstDash val="sysDash"/>
+          </a:ln>
+        </p:spPr>
+        <p:style>
+          <a:lnRef idx="2">
+            <a:schemeClr val="accent1">
+              <a:shade val="50000"/>
+            </a:schemeClr>
+          </a:lnRef>
+          <a:fillRef idx="1">
+            <a:schemeClr val="accent1"/>
+          </a:fillRef>
+          <a:effectRef idx="0">
+            <a:schemeClr val="accent1"/>
+          </a:effectRef>
+          <a:fontRef idx="minor">
+            <a:schemeClr val="lt1"/>
+          </a:fontRef>
+        </p:style>
+        <p:txBody>
+          <a:bodyPr rtlCol="0" anchor="ctr"/>
+          <a:lstStyle/>
+          <a:p>
+            <a:pPr algn="ctr"/>
+            <a:endParaRPr lang="fr-FR"/>
+          </a:p>
+        </p:txBody>
+      </p:sp>
+      <p:sp>
+        <p:nvSpPr>
+          <p:cNvPr id="29" name="ZoneTexte 28">
+            <a:extLst>
+              <a:ext uri="{FF2B5EF4-FFF2-40B4-BE49-F238E27FC236}">
+                <a16:creationId xmlns:a16="http://schemas.microsoft.com/office/drawing/2014/main" id="{29533E33-440F-4E5B-AF76-3ED6D87BA1CE}"/>
+              </a:ext>
+            </a:extLst>
+          </p:cNvPr>
+          <p:cNvSpPr txBox="1"/>
+          <p:nvPr/>
+        </p:nvSpPr>
+        <p:spPr>
+          <a:xfrm>
+            <a:off x="4159560" y="2895557"/>
+            <a:ext cx="1021946" cy="369332"/>
+          </a:xfrm>
+          <a:prstGeom prst="rect">
+            <a:avLst/>
+          </a:prstGeom>
+          <a:noFill/>
+        </p:spPr>
+        <p:txBody>
+          <a:bodyPr wrap="none" rtlCol="0">
+            <a:spAutoFit/>
+          </a:bodyPr>
+          <a:lstStyle/>
+          <a:p>
+            <a:r>
+              <a:rPr lang="fr-FR" dirty="0"/>
+              <a:t>Interface</a:t>
+            </a:r>
+          </a:p>
+        </p:txBody>
+      </p:sp>
+      <p:cxnSp>
+        <p:nvCxnSpPr>
+          <p:cNvPr id="32" name="Connecteur droit avec flèche 31">
+            <a:extLst>
+              <a:ext uri="{FF2B5EF4-FFF2-40B4-BE49-F238E27FC236}">
+                <a16:creationId xmlns:a16="http://schemas.microsoft.com/office/drawing/2014/main" id="{9633C32A-7294-45A4-92B8-A29B8B3A7330}"/>
+              </a:ext>
+            </a:extLst>
+          </p:cNvPr>
+          <p:cNvCxnSpPr>
+            <a:cxnSpLocks/>
+          </p:cNvCxnSpPr>
+          <p:nvPr/>
+        </p:nvCxnSpPr>
+        <p:spPr>
+          <a:xfrm>
+            <a:off x="4679694" y="3744316"/>
+            <a:ext cx="1" cy="316649"/>
+          </a:xfrm>
+          <a:prstGeom prst="straightConnector1">
+            <a:avLst/>
+          </a:prstGeom>
+          <a:ln>
+            <a:headEnd type="triangle"/>
+            <a:tailEnd type="triangle"/>
+          </a:ln>
+        </p:spPr>
+        <p:style>
+          <a:lnRef idx="1">
+            <a:schemeClr val="accent1"/>
+          </a:lnRef>
+          <a:fillRef idx="0">
+            <a:schemeClr val="accent1"/>
+          </a:fillRef>
+          <a:effectRef idx="0">
+            <a:schemeClr val="accent1"/>
+          </a:effectRef>
+          <a:fontRef idx="minor">
+            <a:schemeClr val="tx1"/>
+          </a:fontRef>
+        </p:style>
+      </p:cxnSp>
+      <p:sp>
+        <p:nvSpPr>
+          <p:cNvPr id="34" name="ZoneTexte 33">
+            <a:extLst>
+              <a:ext uri="{FF2B5EF4-FFF2-40B4-BE49-F238E27FC236}">
+                <a16:creationId xmlns:a16="http://schemas.microsoft.com/office/drawing/2014/main" id="{33796B98-BFF9-4AE1-AAB3-42E040E36F85}"/>
+              </a:ext>
+            </a:extLst>
+          </p:cNvPr>
+          <p:cNvSpPr txBox="1"/>
+          <p:nvPr/>
+        </p:nvSpPr>
+        <p:spPr>
+          <a:xfrm>
+            <a:off x="4026073" y="3410588"/>
+            <a:ext cx="1639360" cy="369332"/>
+          </a:xfrm>
+          <a:prstGeom prst="rect">
+            <a:avLst/>
+          </a:prstGeom>
+          <a:noFill/>
+        </p:spPr>
+        <p:txBody>
+          <a:bodyPr wrap="none" rtlCol="0">
+            <a:spAutoFit/>
+          </a:bodyPr>
+          <a:lstStyle/>
+          <a:p>
+            <a:r>
+              <a:rPr lang="fr-FR" dirty="0" err="1"/>
+              <a:t>Caching</a:t>
+            </a:r>
+            <a:r>
+              <a:rPr lang="fr-FR" dirty="0"/>
+              <a:t> Reader</a:t>
+            </a:r>
+          </a:p>
+        </p:txBody>
+      </p:sp>
+      <p:cxnSp>
+        <p:nvCxnSpPr>
+          <p:cNvPr id="35" name="Connecteur droit avec flèche 34">
+            <a:extLst>
+              <a:ext uri="{FF2B5EF4-FFF2-40B4-BE49-F238E27FC236}">
+                <a16:creationId xmlns:a16="http://schemas.microsoft.com/office/drawing/2014/main" id="{732CA371-6D12-4172-B4C7-F2E1BBCA27AA}"/>
+              </a:ext>
+            </a:extLst>
+          </p:cNvPr>
+          <p:cNvCxnSpPr>
+            <a:cxnSpLocks/>
+          </p:cNvCxnSpPr>
+          <p:nvPr/>
+        </p:nvCxnSpPr>
+        <p:spPr>
+          <a:xfrm>
+            <a:off x="4670533" y="3206565"/>
+            <a:ext cx="1" cy="316649"/>
+          </a:xfrm>
+          <a:prstGeom prst="straightConnector1">
+            <a:avLst/>
+          </a:prstGeom>
+          <a:ln>
+            <a:headEnd type="triangle"/>
+            <a:tailEnd type="triangle"/>
+          </a:ln>
+        </p:spPr>
+        <p:style>
+          <a:lnRef idx="1">
+            <a:schemeClr val="accent1"/>
+          </a:lnRef>
+          <a:fillRef idx="0">
+            <a:schemeClr val="accent1"/>
+          </a:fillRef>
+          <a:effectRef idx="0">
+            <a:schemeClr val="accent1"/>
+          </a:effectRef>
+          <a:fontRef idx="minor">
+            <a:schemeClr val="tx1"/>
+          </a:fontRef>
+        </p:style>
+      </p:cxnSp>
+    </p:spTree>
+    <p:extLst>
+      <p:ext uri="{BB962C8B-B14F-4D97-AF65-F5344CB8AC3E}">
+        <p14:creationId xmlns:p14="http://schemas.microsoft.com/office/powerpoint/2010/main" val="882238543"/>
+      </p:ext>
+    </p:extLst>
+  </p:cSld>
+  <p:clrMapOvr>
+    <a:masterClrMapping/>
+  </p:clrMapOvr>
+</p:sld>
+</file>
+
 <file path=ppt/slides/slide2.xml><?xml version="1.0" encoding="utf-8"?>
 <p:sld xmlns:a="http://schemas.openxmlformats.org/drawingml/2006/main" xmlns:r="http://schemas.openxmlformats.org/officeDocument/2006/relationships" xmlns:p="http://schemas.openxmlformats.org/presentationml/2006/main">
   <p:cSld>
@@ -4670,6 +7658,100 @@
           <a:chExt cx="0" cy="0"/>
         </a:xfrm>
       </p:grpSpPr>
+      <p:pic>
+        <p:nvPicPr>
+          <p:cNvPr id="14" name="Picture 2" descr="Image associée">
+            <a:extLst>
+              <a:ext uri="{FF2B5EF4-FFF2-40B4-BE49-F238E27FC236}">
+                <a16:creationId xmlns:a16="http://schemas.microsoft.com/office/drawing/2014/main" id="{F1DE70D1-FE1C-45B6-8B5C-F05398D7CD24}"/>
+              </a:ext>
+            </a:extLst>
+          </p:cNvPr>
+          <p:cNvPicPr>
+            <a:picLocks noChangeAspect="1" noChangeArrowheads="1"/>
+          </p:cNvPicPr>
+          <p:nvPr/>
+        </p:nvPicPr>
+        <p:blipFill>
+          <a:blip r:embed="rId2">
+            <a:extLst>
+              <a:ext uri="{28A0092B-C50C-407E-A947-70E740481C1C}">
+                <a14:useLocalDpi xmlns:a14="http://schemas.microsoft.com/office/drawing/2010/main" val="0"/>
+              </a:ext>
+            </a:extLst>
+          </a:blip>
+          <a:srcRect/>
+          <a:stretch>
+            <a:fillRect/>
+          </a:stretch>
+        </p:blipFill>
+        <p:spPr bwMode="auto">
+          <a:xfrm>
+            <a:off x="7052889" y="4182532"/>
+            <a:ext cx="700146" cy="700146"/>
+          </a:xfrm>
+          <a:prstGeom prst="rect">
+            <a:avLst/>
+          </a:prstGeom>
+          <a:noFill/>
+          <a:extLst>
+            <a:ext uri="{909E8E84-426E-40DD-AFC4-6F175D3DCCD1}">
+              <a14:hiddenFill xmlns:a14="http://schemas.microsoft.com/office/drawing/2010/main">
+                <a:solidFill>
+                  <a:srgbClr val="FFFFFF"/>
+                </a:solidFill>
+              </a14:hiddenFill>
+            </a:ext>
+          </a:extLst>
+        </p:spPr>
+      </p:pic>
+      <p:pic>
+        <p:nvPicPr>
+          <p:cNvPr id="13" name="Picture 2" descr="Image associée">
+            <a:extLst>
+              <a:ext uri="{FF2B5EF4-FFF2-40B4-BE49-F238E27FC236}">
+                <a16:creationId xmlns:a16="http://schemas.microsoft.com/office/drawing/2014/main" id="{46D2FFF0-AFDF-4390-AD54-997E8E46290E}"/>
+              </a:ext>
+            </a:extLst>
+          </p:cNvPr>
+          <p:cNvPicPr>
+            <a:picLocks noChangeAspect="1" noChangeArrowheads="1"/>
+          </p:cNvPicPr>
+          <p:nvPr/>
+        </p:nvPicPr>
+        <p:blipFill>
+          <a:blip r:embed="rId2">
+            <a:extLst>
+              <a:ext uri="{28A0092B-C50C-407E-A947-70E740481C1C}">
+                <a14:useLocalDpi xmlns:a14="http://schemas.microsoft.com/office/drawing/2010/main" val="0"/>
+              </a:ext>
+            </a:extLst>
+          </a:blip>
+          <a:srcRect/>
+          <a:stretch>
+            <a:fillRect/>
+          </a:stretch>
+        </p:blipFill>
+        <p:spPr bwMode="auto">
+          <a:xfrm>
+            <a:off x="7052889" y="3227092"/>
+            <a:ext cx="700146" cy="700146"/>
+          </a:xfrm>
+          <a:prstGeom prst="rect">
+            <a:avLst/>
+          </a:prstGeom>
+          <a:noFill/>
+          <a:extLst>
+            <a:ext uri="{909E8E84-426E-40DD-AFC4-6F175D3DCCD1}">
+              <a14:hiddenFill xmlns:a14="http://schemas.microsoft.com/office/drawing/2010/main">
+                <a:solidFill>
+                  <a:srgbClr val="FFFFFF"/>
+                </a:solidFill>
+              </a14:hiddenFill>
+            </a:ext>
+          </a:extLst>
+        </p:spPr>
+      </p:pic>
       <p:sp>
         <p:nvSpPr>
           <p:cNvPr id="2" name="Titre 1">
@@ -4766,6 +7848,365 @@
           </a:p>
           <a:p>
             <a:endParaRPr lang="fr-FR" dirty="0"/>
+          </a:p>
+        </p:txBody>
+      </p:sp>
+      <p:pic>
+        <p:nvPicPr>
+          <p:cNvPr id="4" name="Picture 2" descr="Image associée">
+            <a:extLst>
+              <a:ext uri="{FF2B5EF4-FFF2-40B4-BE49-F238E27FC236}">
+                <a16:creationId xmlns:a16="http://schemas.microsoft.com/office/drawing/2014/main" id="{3F6E92D7-8606-4BB1-BDB4-82A2BD32D980}"/>
+              </a:ext>
+            </a:extLst>
+          </p:cNvPr>
+          <p:cNvPicPr>
+            <a:picLocks noChangeAspect="1" noChangeArrowheads="1"/>
+          </p:cNvPicPr>
+          <p:nvPr/>
+        </p:nvPicPr>
+        <p:blipFill>
+          <a:blip r:embed="rId2">
+            <a:extLst>
+              <a:ext uri="{28A0092B-C50C-407E-A947-70E740481C1C}">
+                <a14:useLocalDpi xmlns:a14="http://schemas.microsoft.com/office/drawing/2010/main" val="0"/>
+              </a:ext>
+            </a:extLst>
+          </a:blip>
+          <a:srcRect/>
+          <a:stretch>
+            <a:fillRect/>
+          </a:stretch>
+        </p:blipFill>
+        <p:spPr bwMode="auto">
+          <a:xfrm>
+            <a:off x="7054498" y="2250744"/>
+            <a:ext cx="700146" cy="700146"/>
+          </a:xfrm>
+          <a:prstGeom prst="rect">
+            <a:avLst/>
+          </a:prstGeom>
+          <a:noFill/>
+          <a:extLst>
+            <a:ext uri="{909E8E84-426E-40DD-AFC4-6F175D3DCCD1}">
+              <a14:hiddenFill xmlns:a14="http://schemas.microsoft.com/office/drawing/2010/main">
+                <a:solidFill>
+                  <a:srgbClr val="FFFFFF"/>
+                </a:solidFill>
+              </a14:hiddenFill>
+            </a:ext>
+          </a:extLst>
+        </p:spPr>
+      </p:pic>
+      <p:sp>
+        <p:nvSpPr>
+          <p:cNvPr id="5" name="ZoneTexte 4">
+            <a:extLst>
+              <a:ext uri="{FF2B5EF4-FFF2-40B4-BE49-F238E27FC236}">
+                <a16:creationId xmlns:a16="http://schemas.microsoft.com/office/drawing/2014/main" id="{E2563D75-543E-4A10-9499-18F9D6A9D168}"/>
+              </a:ext>
+            </a:extLst>
+          </p:cNvPr>
+          <p:cNvSpPr txBox="1"/>
+          <p:nvPr/>
+        </p:nvSpPr>
+        <p:spPr>
+          <a:xfrm>
+            <a:off x="7130716" y="1978938"/>
+            <a:ext cx="547714" cy="369332"/>
+          </a:xfrm>
+          <a:prstGeom prst="rect">
+            <a:avLst/>
+          </a:prstGeom>
+          <a:noFill/>
+        </p:spPr>
+        <p:txBody>
+          <a:bodyPr wrap="none" rtlCol="0">
+            <a:spAutoFit/>
+          </a:bodyPr>
+          <a:lstStyle/>
+          <a:p>
+            <a:r>
+              <a:rPr lang="fr-FR" dirty="0"/>
+              <a:t>Vue</a:t>
+            </a:r>
+          </a:p>
+        </p:txBody>
+      </p:sp>
+      <p:sp>
+        <p:nvSpPr>
+          <p:cNvPr id="6" name="ZoneTexte 5">
+            <a:extLst>
+              <a:ext uri="{FF2B5EF4-FFF2-40B4-BE49-F238E27FC236}">
+                <a16:creationId xmlns:a16="http://schemas.microsoft.com/office/drawing/2014/main" id="{BE86BD22-997E-4218-BCE0-7851FB87FC91}"/>
+              </a:ext>
+            </a:extLst>
+          </p:cNvPr>
+          <p:cNvSpPr txBox="1"/>
+          <p:nvPr/>
+        </p:nvSpPr>
+        <p:spPr>
+          <a:xfrm>
+            <a:off x="6761746" y="2886486"/>
+            <a:ext cx="1376852" cy="369332"/>
+          </a:xfrm>
+          <a:prstGeom prst="rect">
+            <a:avLst/>
+          </a:prstGeom>
+          <a:noFill/>
+        </p:spPr>
+        <p:txBody>
+          <a:bodyPr wrap="none" rtlCol="0">
+            <a:spAutoFit/>
+          </a:bodyPr>
+          <a:lstStyle/>
+          <a:p>
+            <a:r>
+              <a:rPr lang="fr-FR" dirty="0"/>
+              <a:t>Présentation</a:t>
+            </a:r>
+          </a:p>
+        </p:txBody>
+      </p:sp>
+      <p:sp>
+        <p:nvSpPr>
+          <p:cNvPr id="7" name="ZoneTexte 6">
+            <a:extLst>
+              <a:ext uri="{FF2B5EF4-FFF2-40B4-BE49-F238E27FC236}">
+                <a16:creationId xmlns:a16="http://schemas.microsoft.com/office/drawing/2014/main" id="{6F64E5A2-84BF-49D1-9F36-CFEB4E550CC5}"/>
+              </a:ext>
+            </a:extLst>
+          </p:cNvPr>
+          <p:cNvSpPr txBox="1"/>
+          <p:nvPr/>
+        </p:nvSpPr>
+        <p:spPr>
+          <a:xfrm>
+            <a:off x="6767281" y="3811420"/>
+            <a:ext cx="1274580" cy="369332"/>
+          </a:xfrm>
+          <a:prstGeom prst="rect">
+            <a:avLst/>
+          </a:prstGeom>
+          <a:noFill/>
+        </p:spPr>
+        <p:txBody>
+          <a:bodyPr wrap="none" rtlCol="0">
+            <a:spAutoFit/>
+          </a:bodyPr>
+          <a:lstStyle/>
+          <a:p>
+            <a:r>
+              <a:rPr lang="fr-FR" dirty="0"/>
+              <a:t>Data </a:t>
+            </a:r>
+            <a:r>
+              <a:rPr lang="fr-FR" dirty="0" err="1"/>
+              <a:t>access</a:t>
+            </a:r>
+            <a:endParaRPr lang="fr-FR" dirty="0"/>
+          </a:p>
+        </p:txBody>
+      </p:sp>
+      <p:sp>
+        <p:nvSpPr>
+          <p:cNvPr id="8" name="ZoneTexte 7">
+            <a:extLst>
+              <a:ext uri="{FF2B5EF4-FFF2-40B4-BE49-F238E27FC236}">
+                <a16:creationId xmlns:a16="http://schemas.microsoft.com/office/drawing/2014/main" id="{589774D9-B70A-4669-8D71-6FB4E8654CC8}"/>
+              </a:ext>
+            </a:extLst>
+          </p:cNvPr>
+          <p:cNvSpPr txBox="1"/>
+          <p:nvPr/>
+        </p:nvSpPr>
+        <p:spPr>
+          <a:xfrm>
+            <a:off x="6829702" y="4901938"/>
+            <a:ext cx="1149738" cy="369332"/>
+          </a:xfrm>
+          <a:prstGeom prst="rect">
+            <a:avLst/>
+          </a:prstGeom>
+          <a:noFill/>
+        </p:spPr>
+        <p:txBody>
+          <a:bodyPr wrap="none" rtlCol="0">
+            <a:spAutoFit/>
+          </a:bodyPr>
+          <a:lstStyle/>
+          <a:p>
+            <a:r>
+              <a:rPr lang="fr-FR" dirty="0"/>
+              <a:t>Data store</a:t>
+            </a:r>
+          </a:p>
+        </p:txBody>
+      </p:sp>
+      <p:cxnSp>
+        <p:nvCxnSpPr>
+          <p:cNvPr id="10" name="Connecteur droit avec flèche 9">
+            <a:extLst>
+              <a:ext uri="{FF2B5EF4-FFF2-40B4-BE49-F238E27FC236}">
+                <a16:creationId xmlns:a16="http://schemas.microsoft.com/office/drawing/2014/main" id="{3C9FEC2C-7BD9-42A0-9E5F-2B1A20334EEA}"/>
+              </a:ext>
+            </a:extLst>
+          </p:cNvPr>
+          <p:cNvCxnSpPr>
+            <a:cxnSpLocks/>
+          </p:cNvCxnSpPr>
+          <p:nvPr/>
+        </p:nvCxnSpPr>
+        <p:spPr>
+          <a:xfrm>
+            <a:off x="7404572" y="2363359"/>
+            <a:ext cx="1" cy="523127"/>
+          </a:xfrm>
+          <a:prstGeom prst="straightConnector1">
+            <a:avLst/>
+          </a:prstGeom>
+          <a:ln>
+            <a:headEnd type="triangle"/>
+            <a:tailEnd type="triangle"/>
+          </a:ln>
+        </p:spPr>
+        <p:style>
+          <a:lnRef idx="1">
+            <a:schemeClr val="accent1"/>
+          </a:lnRef>
+          <a:fillRef idx="0">
+            <a:schemeClr val="accent1"/>
+          </a:fillRef>
+          <a:effectRef idx="0">
+            <a:schemeClr val="accent1"/>
+          </a:effectRef>
+          <a:fontRef idx="minor">
+            <a:schemeClr val="tx1"/>
+          </a:fontRef>
+        </p:style>
+      </p:cxnSp>
+      <p:cxnSp>
+        <p:nvCxnSpPr>
+          <p:cNvPr id="11" name="Connecteur droit avec flèche 10">
+            <a:extLst>
+              <a:ext uri="{FF2B5EF4-FFF2-40B4-BE49-F238E27FC236}">
+                <a16:creationId xmlns:a16="http://schemas.microsoft.com/office/drawing/2014/main" id="{7779EB92-D359-41F0-9B07-08DE2E1E8B00}"/>
+              </a:ext>
+            </a:extLst>
+          </p:cNvPr>
+          <p:cNvCxnSpPr>
+            <a:cxnSpLocks/>
+          </p:cNvCxnSpPr>
+          <p:nvPr/>
+        </p:nvCxnSpPr>
+        <p:spPr>
+          <a:xfrm>
+            <a:off x="7404571" y="4271042"/>
+            <a:ext cx="1" cy="523127"/>
+          </a:xfrm>
+          <a:prstGeom prst="straightConnector1">
+            <a:avLst/>
+          </a:prstGeom>
+          <a:ln>
+            <a:headEnd type="triangle"/>
+            <a:tailEnd type="triangle"/>
+          </a:ln>
+        </p:spPr>
+        <p:style>
+          <a:lnRef idx="1">
+            <a:schemeClr val="accent1"/>
+          </a:lnRef>
+          <a:fillRef idx="0">
+            <a:schemeClr val="accent1"/>
+          </a:fillRef>
+          <a:effectRef idx="0">
+            <a:schemeClr val="accent1"/>
+          </a:effectRef>
+          <a:fontRef idx="minor">
+            <a:schemeClr val="tx1"/>
+          </a:fontRef>
+        </p:style>
+      </p:cxnSp>
+      <p:cxnSp>
+        <p:nvCxnSpPr>
+          <p:cNvPr id="12" name="Connecteur droit avec flèche 11">
+            <a:extLst>
+              <a:ext uri="{FF2B5EF4-FFF2-40B4-BE49-F238E27FC236}">
+                <a16:creationId xmlns:a16="http://schemas.microsoft.com/office/drawing/2014/main" id="{7B2833FF-71BE-4E54-97A9-9882DC58E9F0}"/>
+              </a:ext>
+            </a:extLst>
+          </p:cNvPr>
+          <p:cNvCxnSpPr>
+            <a:cxnSpLocks/>
+          </p:cNvCxnSpPr>
+          <p:nvPr/>
+        </p:nvCxnSpPr>
+        <p:spPr>
+          <a:xfrm>
+            <a:off x="7404571" y="3288293"/>
+            <a:ext cx="1" cy="523127"/>
+          </a:xfrm>
+          <a:prstGeom prst="straightConnector1">
+            <a:avLst/>
+          </a:prstGeom>
+          <a:ln>
+            <a:headEnd type="triangle"/>
+            <a:tailEnd type="triangle"/>
+          </a:ln>
+        </p:spPr>
+        <p:style>
+          <a:lnRef idx="1">
+            <a:schemeClr val="accent1"/>
+          </a:lnRef>
+          <a:fillRef idx="0">
+            <a:schemeClr val="accent1"/>
+          </a:fillRef>
+          <a:effectRef idx="0">
+            <a:schemeClr val="accent1"/>
+          </a:effectRef>
+          <a:fontRef idx="minor">
+            <a:schemeClr val="tx1"/>
+          </a:fontRef>
+        </p:style>
+      </p:cxnSp>
+      <p:sp>
+        <p:nvSpPr>
+          <p:cNvPr id="15" name="ZoneTexte 14">
+            <a:extLst>
+              <a:ext uri="{FF2B5EF4-FFF2-40B4-BE49-F238E27FC236}">
+                <a16:creationId xmlns:a16="http://schemas.microsoft.com/office/drawing/2014/main" id="{1D519B2E-EF86-42F7-A249-0F11F5673F1F}"/>
+              </a:ext>
+            </a:extLst>
+          </p:cNvPr>
+          <p:cNvSpPr txBox="1"/>
+          <p:nvPr/>
+        </p:nvSpPr>
+        <p:spPr>
+          <a:xfrm>
+            <a:off x="8720920" y="3165089"/>
+            <a:ext cx="2896242" cy="646331"/>
+          </a:xfrm>
+          <a:prstGeom prst="rect">
+            <a:avLst/>
+          </a:prstGeom>
+          <a:noFill/>
+        </p:spPr>
+        <p:txBody>
+          <a:bodyPr wrap="none" rtlCol="0">
+            <a:spAutoFit/>
+          </a:bodyPr>
+          <a:lstStyle/>
+          <a:p>
+            <a:r>
+              <a:rPr lang="fr-FR" dirty="0"/>
+              <a:t>Le problème est que ces </a:t>
+            </a:r>
+          </a:p>
+          <a:p>
+            <a:r>
+              <a:rPr lang="fr-FR" dirty="0"/>
+              <a:t>couches sont fortement liées</a:t>
+            </a:r>
           </a:p>
         </p:txBody>
       </p:sp>
@@ -4779,6 +8220,165 @@
   <p:clrMapOvr>
     <a:masterClrMapping/>
   </p:clrMapOvr>
+  <p:timing>
+    <p:tnLst>
+      <p:par>
+        <p:cTn id="1" dur="indefinite" restart="never" nodeType="tmRoot">
+          <p:childTnLst>
+            <p:seq concurrent="1" nextAc="seek">
+              <p:cTn id="2" dur="indefinite" nodeType="mainSeq">
+                <p:childTnLst>
+                  <p:par>
+                    <p:cTn id="3" fill="hold">
+                      <p:stCondLst>
+                        <p:cond delay="indefinite"/>
+                      </p:stCondLst>
+                      <p:childTnLst>
+                        <p:par>
+                          <p:cTn id="4" fill="hold">
+                            <p:stCondLst>
+                              <p:cond delay="0"/>
+                            </p:stCondLst>
+                            <p:childTnLst>
+                              <p:par>
+                                <p:cTn id="5" presetID="1" presetClass="entr" presetSubtype="0" fill="hold" nodeType="clickEffect">
+                                  <p:stCondLst>
+                                    <p:cond delay="0"/>
+                                  </p:stCondLst>
+                                  <p:childTnLst>
+                                    <p:set>
+                                      <p:cBhvr>
+                                        <p:cTn id="6" dur="1" fill="hold">
+                                          <p:stCondLst>
+                                            <p:cond delay="0"/>
+                                          </p:stCondLst>
+                                        </p:cTn>
+                                        <p:tgtEl>
+                                          <p:spTgt spid="4"/>
+                                        </p:tgtEl>
+                                        <p:attrNameLst>
+                                          <p:attrName>style.visibility</p:attrName>
+                                        </p:attrNameLst>
+                                      </p:cBhvr>
+                                      <p:to>
+                                        <p:strVal val="visible"/>
+                                      </p:to>
+                                    </p:set>
+                                  </p:childTnLst>
+                                </p:cTn>
+                              </p:par>
+                              <p:par>
+                                <p:cTn id="7" presetID="1" presetClass="entr" presetSubtype="0" fill="hold" nodeType="withEffect">
+                                  <p:stCondLst>
+                                    <p:cond delay="0"/>
+                                  </p:stCondLst>
+                                  <p:childTnLst>
+                                    <p:set>
+                                      <p:cBhvr>
+                                        <p:cTn id="8" dur="1" fill="hold">
+                                          <p:stCondLst>
+                                            <p:cond delay="0"/>
+                                          </p:stCondLst>
+                                        </p:cTn>
+                                        <p:tgtEl>
+                                          <p:spTgt spid="13"/>
+                                        </p:tgtEl>
+                                        <p:attrNameLst>
+                                          <p:attrName>style.visibility</p:attrName>
+                                        </p:attrNameLst>
+                                      </p:cBhvr>
+                                      <p:to>
+                                        <p:strVal val="visible"/>
+                                      </p:to>
+                                    </p:set>
+                                  </p:childTnLst>
+                                </p:cTn>
+                              </p:par>
+                              <p:par>
+                                <p:cTn id="9" presetID="1" presetClass="entr" presetSubtype="0" fill="hold" nodeType="withEffect">
+                                  <p:stCondLst>
+                                    <p:cond delay="0"/>
+                                  </p:stCondLst>
+                                  <p:childTnLst>
+                                    <p:set>
+                                      <p:cBhvr>
+                                        <p:cTn id="10" dur="1" fill="hold">
+                                          <p:stCondLst>
+                                            <p:cond delay="0"/>
+                                          </p:stCondLst>
+                                        </p:cTn>
+                                        <p:tgtEl>
+                                          <p:spTgt spid="14"/>
+                                        </p:tgtEl>
+                                        <p:attrNameLst>
+                                          <p:attrName>style.visibility</p:attrName>
+                                        </p:attrNameLst>
+                                      </p:cBhvr>
+                                      <p:to>
+                                        <p:strVal val="visible"/>
+                                      </p:to>
+                                    </p:set>
+                                  </p:childTnLst>
+                                </p:cTn>
+                              </p:par>
+                              <p:par>
+                                <p:cTn id="11" presetID="1" presetClass="entr" presetSubtype="0" fill="hold" grpId="0" nodeType="withEffect">
+                                  <p:stCondLst>
+                                    <p:cond delay="0"/>
+                                  </p:stCondLst>
+                                  <p:childTnLst>
+                                    <p:set>
+                                      <p:cBhvr>
+                                        <p:cTn id="12" dur="1" fill="hold">
+                                          <p:stCondLst>
+                                            <p:cond delay="0"/>
+                                          </p:stCondLst>
+                                        </p:cTn>
+                                        <p:tgtEl>
+                                          <p:spTgt spid="15"/>
+                                        </p:tgtEl>
+                                        <p:attrNameLst>
+                                          <p:attrName>style.visibility</p:attrName>
+                                        </p:attrNameLst>
+                                      </p:cBhvr>
+                                      <p:to>
+                                        <p:strVal val="visible"/>
+                                      </p:to>
+                                    </p:set>
+                                  </p:childTnLst>
+                                </p:cTn>
+                              </p:par>
+                            </p:childTnLst>
+                          </p:cTn>
+                        </p:par>
+                      </p:childTnLst>
+                    </p:cTn>
+                  </p:par>
+                </p:childTnLst>
+              </p:cTn>
+              <p:prevCondLst>
+                <p:cond evt="onPrev" delay="0">
+                  <p:tgtEl>
+                    <p:sldTgt/>
+                  </p:tgtEl>
+                </p:cond>
+              </p:prevCondLst>
+              <p:nextCondLst>
+                <p:cond evt="onNext" delay="0">
+                  <p:tgtEl>
+                    <p:sldTgt/>
+                  </p:tgtEl>
+                </p:cond>
+              </p:nextCondLst>
+            </p:seq>
+          </p:childTnLst>
+        </p:cTn>
+      </p:par>
+    </p:tnLst>
+    <p:bldLst>
+      <p:bldP spid="15" grpId="0"/>
+    </p:bldLst>
+  </p:timing>
 </p:sld>
 </file>
 
@@ -4906,6 +8506,1217 @@
     <p:extLst>
       <p:ext uri="{BB962C8B-B14F-4D97-AF65-F5344CB8AC3E}">
         <p14:creationId xmlns:p14="http://schemas.microsoft.com/office/powerpoint/2010/main" val="95095893"/>
+      </p:ext>
+    </p:extLst>
+  </p:cSld>
+  <p:clrMapOvr>
+    <a:masterClrMapping/>
+  </p:clrMapOvr>
+</p:sld>
+</file>
+
+<file path=ppt/slides/slide7.xml><?xml version="1.0" encoding="utf-8"?>
+<p:sld xmlns:a="http://schemas.openxmlformats.org/drawingml/2006/main" xmlns:r="http://schemas.openxmlformats.org/officeDocument/2006/relationships" xmlns:p="http://schemas.openxmlformats.org/presentationml/2006/main">
+  <p:cSld>
+    <p:spTree>
+      <p:nvGrpSpPr>
+        <p:cNvPr id="1" name=""/>
+        <p:cNvGrpSpPr/>
+        <p:nvPr/>
+      </p:nvGrpSpPr>
+      <p:grpSpPr>
+        <a:xfrm>
+          <a:off x="0" y="0"/>
+          <a:ext cx="0" cy="0"/>
+          <a:chOff x="0" y="0"/>
+          <a:chExt cx="0" cy="0"/>
+        </a:xfrm>
+      </p:grpSpPr>
+      <p:sp>
+        <p:nvSpPr>
+          <p:cNvPr id="2" name="Titre 1">
+            <a:extLst>
+              <a:ext uri="{FF2B5EF4-FFF2-40B4-BE49-F238E27FC236}">
+                <a16:creationId xmlns:a16="http://schemas.microsoft.com/office/drawing/2014/main" id="{C6DDA283-D5AA-45DC-999E-83F1D696444F}"/>
+              </a:ext>
+            </a:extLst>
+          </p:cNvPr>
+          <p:cNvSpPr>
+            <a:spLocks noGrp="1"/>
+          </p:cNvSpPr>
+          <p:nvPr>
+            <p:ph type="title"/>
+          </p:nvPr>
+        </p:nvSpPr>
+        <p:spPr/>
+        <p:txBody>
+          <a:bodyPr/>
+          <a:lstStyle/>
+          <a:p>
+            <a:r>
+              <a:rPr lang="fr-FR" dirty="0"/>
+              <a:t>Exercice</a:t>
+            </a:r>
+          </a:p>
+        </p:txBody>
+      </p:sp>
+      <p:sp>
+        <p:nvSpPr>
+          <p:cNvPr id="3" name="Espace réservé du contenu 2">
+            <a:extLst>
+              <a:ext uri="{FF2B5EF4-FFF2-40B4-BE49-F238E27FC236}">
+                <a16:creationId xmlns:a16="http://schemas.microsoft.com/office/drawing/2014/main" id="{B4DB4F5B-C635-4C83-BA44-BEC4C643D715}"/>
+              </a:ext>
+            </a:extLst>
+          </p:cNvPr>
+          <p:cNvSpPr>
+            <a:spLocks noGrp="1"/>
+          </p:cNvSpPr>
+          <p:nvPr>
+            <p:ph idx="1"/>
+          </p:nvPr>
+        </p:nvSpPr>
+        <p:spPr/>
+        <p:txBody>
+          <a:bodyPr/>
+          <a:lstStyle/>
+          <a:p>
+            <a:r>
+              <a:rPr lang="fr-FR" dirty="0"/>
+              <a:t>Attaquez l’exercice. </a:t>
+            </a:r>
+          </a:p>
+          <a:p>
+            <a:r>
+              <a:rPr lang="fr-FR" dirty="0"/>
+              <a:t>Dans les slides suivants vous trouverez plus d’explication en fonction des TODO…</a:t>
+            </a:r>
+          </a:p>
+        </p:txBody>
+      </p:sp>
+    </p:spTree>
+    <p:extLst>
+      <p:ext uri="{BB962C8B-B14F-4D97-AF65-F5344CB8AC3E}">
+        <p14:creationId xmlns:p14="http://schemas.microsoft.com/office/powerpoint/2010/main" val="17959676"/>
+      </p:ext>
+    </p:extLst>
+  </p:cSld>
+  <p:clrMapOvr>
+    <a:masterClrMapping/>
+  </p:clrMapOvr>
+</p:sld>
+</file>
+
+<file path=ppt/slides/slide8.xml><?xml version="1.0" encoding="utf-8"?>
+<p:sld xmlns:a="http://schemas.openxmlformats.org/drawingml/2006/main" xmlns:r="http://schemas.openxmlformats.org/officeDocument/2006/relationships" xmlns:p="http://schemas.openxmlformats.org/presentationml/2006/main">
+  <p:cSld>
+    <p:spTree>
+      <p:nvGrpSpPr>
+        <p:cNvPr id="1" name=""/>
+        <p:cNvGrpSpPr/>
+        <p:nvPr/>
+      </p:nvGrpSpPr>
+      <p:grpSpPr>
+        <a:xfrm>
+          <a:off x="0" y="0"/>
+          <a:ext cx="0" cy="0"/>
+          <a:chOff x="0" y="0"/>
+          <a:chExt cx="0" cy="0"/>
+        </a:xfrm>
+      </p:grpSpPr>
+      <p:sp>
+        <p:nvSpPr>
+          <p:cNvPr id="2" name="Titre 1">
+            <a:extLst>
+              <a:ext uri="{FF2B5EF4-FFF2-40B4-BE49-F238E27FC236}">
+                <a16:creationId xmlns:a16="http://schemas.microsoft.com/office/drawing/2014/main" id="{8E378170-2AB9-4B6A-BDA0-82E8DF835269}"/>
+              </a:ext>
+            </a:extLst>
+          </p:cNvPr>
+          <p:cNvSpPr>
+            <a:spLocks noGrp="1"/>
+          </p:cNvSpPr>
+          <p:nvPr>
+            <p:ph type="title"/>
+          </p:nvPr>
+        </p:nvSpPr>
+        <p:spPr/>
+        <p:txBody>
+          <a:bodyPr/>
+          <a:lstStyle/>
+          <a:p>
+            <a:r>
+              <a:rPr lang="fr-FR" dirty="0"/>
+              <a:t>TODO 1</a:t>
+            </a:r>
+          </a:p>
+        </p:txBody>
+      </p:sp>
+      <p:sp>
+        <p:nvSpPr>
+          <p:cNvPr id="3" name="Espace réservé du contenu 2">
+            <a:extLst>
+              <a:ext uri="{FF2B5EF4-FFF2-40B4-BE49-F238E27FC236}">
+                <a16:creationId xmlns:a16="http://schemas.microsoft.com/office/drawing/2014/main" id="{C79EF0C4-7AA7-4469-B847-1CC0896B652F}"/>
+              </a:ext>
+            </a:extLst>
+          </p:cNvPr>
+          <p:cNvSpPr>
+            <a:spLocks noGrp="1"/>
+          </p:cNvSpPr>
+          <p:nvPr>
+            <p:ph idx="1"/>
+          </p:nvPr>
+        </p:nvSpPr>
+        <p:spPr/>
+        <p:txBody>
+          <a:bodyPr/>
+          <a:lstStyle/>
+          <a:p>
+            <a:r>
+              <a:rPr lang="fr-FR" dirty="0"/>
+              <a:t>Implémenter le design pattern repository :</a:t>
+            </a:r>
+          </a:p>
+          <a:p>
+            <a:pPr lvl="1"/>
+            <a:r>
+              <a:rPr lang="fr-FR" dirty="0"/>
+              <a:t>Sépare l’application de la technologie de stockage des données</a:t>
+            </a:r>
+          </a:p>
+          <a:p>
+            <a:r>
+              <a:rPr lang="fr-FR" dirty="0"/>
+              <a:t>Le problème : Dans le constructeur de </a:t>
+            </a:r>
+            <a:r>
+              <a:rPr lang="fr-FR" dirty="0" err="1"/>
+              <a:t>PeopleViewModel</a:t>
+            </a:r>
+            <a:r>
+              <a:rPr lang="fr-FR" dirty="0"/>
+              <a:t> :</a:t>
+            </a:r>
+          </a:p>
+          <a:p>
+            <a:pPr lvl="1"/>
+            <a:r>
+              <a:rPr lang="fr-FR" dirty="0" err="1"/>
+              <a:t>DataReader</a:t>
+            </a:r>
+            <a:r>
+              <a:rPr lang="fr-FR" dirty="0"/>
+              <a:t> = new </a:t>
+            </a:r>
+            <a:r>
+              <a:rPr lang="fr-FR" dirty="0" err="1"/>
+              <a:t>ServiceReader</a:t>
+            </a:r>
+            <a:r>
+              <a:rPr lang="fr-FR" dirty="0"/>
+              <a:t>();</a:t>
+            </a:r>
+          </a:p>
+          <a:p>
+            <a:r>
+              <a:rPr lang="fr-FR" dirty="0"/>
+              <a:t>Solution :</a:t>
+            </a:r>
+          </a:p>
+          <a:p>
+            <a:pPr lvl="1"/>
+            <a:r>
+              <a:rPr lang="fr-FR" dirty="0">
+                <a:sym typeface="Wingdings" panose="05000000000000000000" pitchFamily="2" charset="2"/>
+              </a:rPr>
+              <a:t>Créer une Interface pour découpler</a:t>
+            </a:r>
+          </a:p>
+          <a:p>
+            <a:pPr lvl="1"/>
+            <a:r>
+              <a:rPr lang="fr-FR" dirty="0">
+                <a:sym typeface="Wingdings" panose="05000000000000000000" pitchFamily="2" charset="2"/>
+              </a:rPr>
+              <a:t>Casser le couplage en injectant l’interface via le constructeur</a:t>
+            </a:r>
+          </a:p>
+          <a:p>
+            <a:pPr lvl="1"/>
+            <a:r>
+              <a:rPr lang="fr-FR" dirty="0">
+                <a:sym typeface="Wingdings" panose="05000000000000000000" pitchFamily="2" charset="2"/>
+              </a:rPr>
+              <a:t>Assembler les pièces</a:t>
+            </a:r>
+          </a:p>
+          <a:p>
+            <a:pPr lvl="1"/>
+            <a:endParaRPr lang="fr-FR" dirty="0"/>
+          </a:p>
+          <a:p>
+            <a:pPr lvl="1"/>
+            <a:endParaRPr lang="fr-FR" dirty="0"/>
+          </a:p>
+          <a:p>
+            <a:endParaRPr lang="fr-FR" dirty="0"/>
+          </a:p>
+        </p:txBody>
+      </p:sp>
+    </p:spTree>
+    <p:extLst>
+      <p:ext uri="{BB962C8B-B14F-4D97-AF65-F5344CB8AC3E}">
+        <p14:creationId xmlns:p14="http://schemas.microsoft.com/office/powerpoint/2010/main" val="460901702"/>
+      </p:ext>
+    </p:extLst>
+  </p:cSld>
+  <p:clrMapOvr>
+    <a:masterClrMapping/>
+  </p:clrMapOvr>
+</p:sld>
+</file>
+
+<file path=ppt/slides/slide9.xml><?xml version="1.0" encoding="utf-8"?>
+<p:sld xmlns:a="http://schemas.openxmlformats.org/drawingml/2006/main" xmlns:r="http://schemas.openxmlformats.org/officeDocument/2006/relationships" xmlns:p="http://schemas.openxmlformats.org/presentationml/2006/main">
+  <p:cSld>
+    <p:spTree>
+      <p:nvGrpSpPr>
+        <p:cNvPr id="1" name=""/>
+        <p:cNvGrpSpPr/>
+        <p:nvPr/>
+      </p:nvGrpSpPr>
+      <p:grpSpPr>
+        <a:xfrm>
+          <a:off x="0" y="0"/>
+          <a:ext cx="0" cy="0"/>
+          <a:chOff x="0" y="0"/>
+          <a:chExt cx="0" cy="0"/>
+        </a:xfrm>
+      </p:grpSpPr>
+      <p:pic>
+        <p:nvPicPr>
+          <p:cNvPr id="33" name="Picture 4" descr="Résultat de recherche d'images pour &quot;maillon&quot;">
+            <a:extLst>
+              <a:ext uri="{FF2B5EF4-FFF2-40B4-BE49-F238E27FC236}">
+                <a16:creationId xmlns:a16="http://schemas.microsoft.com/office/drawing/2014/main" id="{02DE3659-1ACB-45B0-B765-9AAA588C7DBD}"/>
+              </a:ext>
+            </a:extLst>
+          </p:cNvPr>
+          <p:cNvPicPr>
+            <a:picLocks noChangeAspect="1" noChangeArrowheads="1"/>
+          </p:cNvPicPr>
+          <p:nvPr/>
+        </p:nvPicPr>
+        <p:blipFill>
+          <a:blip r:embed="rId2">
+            <a:extLst>
+              <a:ext uri="{28A0092B-C50C-407E-A947-70E740481C1C}">
+                <a14:useLocalDpi xmlns:a14="http://schemas.microsoft.com/office/drawing/2010/main" val="0"/>
+              </a:ext>
+            </a:extLst>
+          </a:blip>
+          <a:srcRect/>
+          <a:stretch>
+            <a:fillRect/>
+          </a:stretch>
+        </p:blipFill>
+        <p:spPr bwMode="auto">
+          <a:xfrm>
+            <a:off x="3469869" y="2632269"/>
+            <a:ext cx="2383005" cy="1191503"/>
+          </a:xfrm>
+          <a:prstGeom prst="rect">
+            <a:avLst/>
+          </a:prstGeom>
+          <a:noFill/>
+          <a:extLst>
+            <a:ext uri="{909E8E84-426E-40DD-AFC4-6F175D3DCCD1}">
+              <a14:hiddenFill xmlns:a14="http://schemas.microsoft.com/office/drawing/2010/main">
+                <a:solidFill>
+                  <a:srgbClr val="FFFFFF"/>
+                </a:solidFill>
+              </a14:hiddenFill>
+            </a:ext>
+          </a:extLst>
+        </p:spPr>
+      </p:pic>
+      <p:sp>
+        <p:nvSpPr>
+          <p:cNvPr id="2" name="Titre 1">
+            <a:extLst>
+              <a:ext uri="{FF2B5EF4-FFF2-40B4-BE49-F238E27FC236}">
+                <a16:creationId xmlns:a16="http://schemas.microsoft.com/office/drawing/2014/main" id="{8E378170-2AB9-4B6A-BDA0-82E8DF835269}"/>
+              </a:ext>
+            </a:extLst>
+          </p:cNvPr>
+          <p:cNvSpPr>
+            <a:spLocks noGrp="1"/>
+          </p:cNvSpPr>
+          <p:nvPr>
+            <p:ph type="title"/>
+          </p:nvPr>
+        </p:nvSpPr>
+        <p:spPr/>
+        <p:txBody>
+          <a:bodyPr/>
+          <a:lstStyle/>
+          <a:p>
+            <a:r>
+              <a:rPr lang="fr-FR" dirty="0"/>
+              <a:t>TODO 1</a:t>
+            </a:r>
+          </a:p>
+        </p:txBody>
+      </p:sp>
+      <p:sp>
+        <p:nvSpPr>
+          <p:cNvPr id="3" name="Espace réservé du contenu 2">
+            <a:extLst>
+              <a:ext uri="{FF2B5EF4-FFF2-40B4-BE49-F238E27FC236}">
+                <a16:creationId xmlns:a16="http://schemas.microsoft.com/office/drawing/2014/main" id="{C79EF0C4-7AA7-4469-B847-1CC0896B652F}"/>
+              </a:ext>
+            </a:extLst>
+          </p:cNvPr>
+          <p:cNvSpPr>
+            <a:spLocks noGrp="1"/>
+          </p:cNvSpPr>
+          <p:nvPr>
+            <p:ph idx="1"/>
+          </p:nvPr>
+        </p:nvSpPr>
+        <p:spPr/>
+        <p:txBody>
+          <a:bodyPr/>
+          <a:lstStyle/>
+          <a:p>
+            <a:pPr lvl="1"/>
+            <a:endParaRPr lang="fr-FR" dirty="0"/>
+          </a:p>
+          <a:p>
+            <a:pPr lvl="1"/>
+            <a:endParaRPr lang="fr-FR" dirty="0"/>
+          </a:p>
+          <a:p>
+            <a:endParaRPr lang="fr-FR" dirty="0"/>
+          </a:p>
+        </p:txBody>
+      </p:sp>
+      <p:sp>
+        <p:nvSpPr>
+          <p:cNvPr id="4" name="ZoneTexte 3">
+            <a:extLst>
+              <a:ext uri="{FF2B5EF4-FFF2-40B4-BE49-F238E27FC236}">
+                <a16:creationId xmlns:a16="http://schemas.microsoft.com/office/drawing/2014/main" id="{B71CFD0C-81BC-4C87-A4A8-FB1D247B076B}"/>
+              </a:ext>
+            </a:extLst>
+          </p:cNvPr>
+          <p:cNvSpPr txBox="1"/>
+          <p:nvPr/>
+        </p:nvSpPr>
+        <p:spPr>
+          <a:xfrm>
+            <a:off x="4387516" y="1715081"/>
+            <a:ext cx="547714" cy="369332"/>
+          </a:xfrm>
+          <a:prstGeom prst="rect">
+            <a:avLst/>
+          </a:prstGeom>
+          <a:noFill/>
+        </p:spPr>
+        <p:txBody>
+          <a:bodyPr wrap="none" rtlCol="0">
+            <a:spAutoFit/>
+          </a:bodyPr>
+          <a:lstStyle/>
+          <a:p>
+            <a:r>
+              <a:rPr lang="fr-FR" dirty="0"/>
+              <a:t>Vue</a:t>
+            </a:r>
+          </a:p>
+        </p:txBody>
+      </p:sp>
+      <p:sp>
+        <p:nvSpPr>
+          <p:cNvPr id="5" name="ZoneTexte 4">
+            <a:extLst>
+              <a:ext uri="{FF2B5EF4-FFF2-40B4-BE49-F238E27FC236}">
+                <a16:creationId xmlns:a16="http://schemas.microsoft.com/office/drawing/2014/main" id="{3A4C4936-617E-4B16-BB80-5EE835781568}"/>
+              </a:ext>
+            </a:extLst>
+          </p:cNvPr>
+          <p:cNvSpPr txBox="1"/>
+          <p:nvPr/>
+        </p:nvSpPr>
+        <p:spPr>
+          <a:xfrm>
+            <a:off x="4018546" y="2622629"/>
+            <a:ext cx="1376852" cy="369332"/>
+          </a:xfrm>
+          <a:prstGeom prst="rect">
+            <a:avLst/>
+          </a:prstGeom>
+          <a:noFill/>
+        </p:spPr>
+        <p:txBody>
+          <a:bodyPr wrap="none" rtlCol="0">
+            <a:spAutoFit/>
+          </a:bodyPr>
+          <a:lstStyle/>
+          <a:p>
+            <a:r>
+              <a:rPr lang="fr-FR" dirty="0"/>
+              <a:t>Présentation</a:t>
+            </a:r>
+          </a:p>
+        </p:txBody>
+      </p:sp>
+      <p:sp>
+        <p:nvSpPr>
+          <p:cNvPr id="6" name="ZoneTexte 5">
+            <a:extLst>
+              <a:ext uri="{FF2B5EF4-FFF2-40B4-BE49-F238E27FC236}">
+                <a16:creationId xmlns:a16="http://schemas.microsoft.com/office/drawing/2014/main" id="{C8043AF5-E471-4979-A557-C72215B15C82}"/>
+              </a:ext>
+            </a:extLst>
+          </p:cNvPr>
+          <p:cNvSpPr txBox="1"/>
+          <p:nvPr/>
+        </p:nvSpPr>
+        <p:spPr>
+          <a:xfrm>
+            <a:off x="4150400" y="3530178"/>
+            <a:ext cx="1021946" cy="369332"/>
+          </a:xfrm>
+          <a:prstGeom prst="rect">
+            <a:avLst/>
+          </a:prstGeom>
+          <a:noFill/>
+        </p:spPr>
+        <p:txBody>
+          <a:bodyPr wrap="none" rtlCol="0">
+            <a:spAutoFit/>
+          </a:bodyPr>
+          <a:lstStyle/>
+          <a:p>
+            <a:r>
+              <a:rPr lang="fr-FR" dirty="0"/>
+              <a:t>Interface</a:t>
+            </a:r>
+          </a:p>
+        </p:txBody>
+      </p:sp>
+      <p:sp>
+        <p:nvSpPr>
+          <p:cNvPr id="7" name="ZoneTexte 6">
+            <a:extLst>
+              <a:ext uri="{FF2B5EF4-FFF2-40B4-BE49-F238E27FC236}">
+                <a16:creationId xmlns:a16="http://schemas.microsoft.com/office/drawing/2014/main" id="{ACFCE17F-7B8A-4B15-BCCE-72B956622D38}"/>
+              </a:ext>
+            </a:extLst>
+          </p:cNvPr>
+          <p:cNvSpPr txBox="1"/>
+          <p:nvPr/>
+        </p:nvSpPr>
+        <p:spPr>
+          <a:xfrm>
+            <a:off x="890337" y="4688123"/>
+            <a:ext cx="1916102" cy="369332"/>
+          </a:xfrm>
+          <a:prstGeom prst="rect">
+            <a:avLst/>
+          </a:prstGeom>
+          <a:noFill/>
+        </p:spPr>
+        <p:txBody>
+          <a:bodyPr wrap="none" rtlCol="0">
+            <a:spAutoFit/>
+          </a:bodyPr>
+          <a:lstStyle/>
+          <a:p>
+            <a:r>
+              <a:rPr lang="fr-FR" dirty="0"/>
+              <a:t>Service Repository</a:t>
+            </a:r>
+          </a:p>
+        </p:txBody>
+      </p:sp>
+      <p:sp>
+        <p:nvSpPr>
+          <p:cNvPr id="8" name="ZoneTexte 7">
+            <a:extLst>
+              <a:ext uri="{FF2B5EF4-FFF2-40B4-BE49-F238E27FC236}">
+                <a16:creationId xmlns:a16="http://schemas.microsoft.com/office/drawing/2014/main" id="{820C0E42-0F83-426C-B965-3F163F0D3C9A}"/>
+              </a:ext>
+            </a:extLst>
+          </p:cNvPr>
+          <p:cNvSpPr txBox="1"/>
+          <p:nvPr/>
+        </p:nvSpPr>
+        <p:spPr>
+          <a:xfrm>
+            <a:off x="3860673" y="4688123"/>
+            <a:ext cx="1601400" cy="369332"/>
+          </a:xfrm>
+          <a:prstGeom prst="rect">
+            <a:avLst/>
+          </a:prstGeom>
+          <a:noFill/>
+        </p:spPr>
+        <p:txBody>
+          <a:bodyPr wrap="none" rtlCol="0">
+            <a:spAutoFit/>
+          </a:bodyPr>
+          <a:lstStyle/>
+          <a:p>
+            <a:r>
+              <a:rPr lang="fr-FR" dirty="0"/>
+              <a:t>CSV Repository</a:t>
+            </a:r>
+          </a:p>
+        </p:txBody>
+      </p:sp>
+      <p:sp>
+        <p:nvSpPr>
+          <p:cNvPr id="9" name="ZoneTexte 8">
+            <a:extLst>
+              <a:ext uri="{FF2B5EF4-FFF2-40B4-BE49-F238E27FC236}">
+                <a16:creationId xmlns:a16="http://schemas.microsoft.com/office/drawing/2014/main" id="{9CDF8415-A8BC-449D-9A42-EF4B85597317}"/>
+              </a:ext>
+            </a:extLst>
+          </p:cNvPr>
+          <p:cNvSpPr txBox="1"/>
+          <p:nvPr/>
+        </p:nvSpPr>
+        <p:spPr>
+          <a:xfrm>
+            <a:off x="7127904" y="4688123"/>
+            <a:ext cx="1601400" cy="369332"/>
+          </a:xfrm>
+          <a:prstGeom prst="rect">
+            <a:avLst/>
+          </a:prstGeom>
+          <a:noFill/>
+        </p:spPr>
+        <p:txBody>
+          <a:bodyPr wrap="none" rtlCol="0">
+            <a:spAutoFit/>
+          </a:bodyPr>
+          <a:lstStyle/>
+          <a:p>
+            <a:r>
+              <a:rPr lang="fr-FR" dirty="0"/>
+              <a:t>SQL Repository</a:t>
+            </a:r>
+          </a:p>
+        </p:txBody>
+      </p:sp>
+      <p:cxnSp>
+        <p:nvCxnSpPr>
+          <p:cNvPr id="11" name="Connecteur droit avec flèche 10">
+            <a:extLst>
+              <a:ext uri="{FF2B5EF4-FFF2-40B4-BE49-F238E27FC236}">
+                <a16:creationId xmlns:a16="http://schemas.microsoft.com/office/drawing/2014/main" id="{4312440C-A66D-4373-ABE9-9008089F3D03}"/>
+              </a:ext>
+            </a:extLst>
+          </p:cNvPr>
+          <p:cNvCxnSpPr>
+            <a:cxnSpLocks/>
+            <a:stCxn id="6" idx="2"/>
+          </p:cNvCxnSpPr>
+          <p:nvPr/>
+        </p:nvCxnSpPr>
+        <p:spPr>
+          <a:xfrm flipH="1">
+            <a:off x="1800231" y="3899510"/>
+            <a:ext cx="2861142" cy="740670"/>
+          </a:xfrm>
+          <a:prstGeom prst="straightConnector1">
+            <a:avLst/>
+          </a:prstGeom>
+          <a:ln>
+            <a:headEnd type="triangle"/>
+            <a:tailEnd type="triangle"/>
+          </a:ln>
+        </p:spPr>
+        <p:style>
+          <a:lnRef idx="1">
+            <a:schemeClr val="accent1"/>
+          </a:lnRef>
+          <a:fillRef idx="0">
+            <a:schemeClr val="accent1"/>
+          </a:fillRef>
+          <a:effectRef idx="0">
+            <a:schemeClr val="accent1"/>
+          </a:effectRef>
+          <a:fontRef idx="minor">
+            <a:schemeClr val="tx1"/>
+          </a:fontRef>
+        </p:style>
+      </p:cxnSp>
+      <p:cxnSp>
+        <p:nvCxnSpPr>
+          <p:cNvPr id="15" name="Connecteur droit avec flèche 14">
+            <a:extLst>
+              <a:ext uri="{FF2B5EF4-FFF2-40B4-BE49-F238E27FC236}">
+                <a16:creationId xmlns:a16="http://schemas.microsoft.com/office/drawing/2014/main" id="{20B22E5A-6884-450B-97DB-921E71C524B2}"/>
+              </a:ext>
+            </a:extLst>
+          </p:cNvPr>
+          <p:cNvCxnSpPr>
+            <a:cxnSpLocks/>
+            <a:stCxn id="6" idx="2"/>
+            <a:endCxn id="8" idx="0"/>
+          </p:cNvCxnSpPr>
+          <p:nvPr/>
+        </p:nvCxnSpPr>
+        <p:spPr>
+          <a:xfrm>
+            <a:off x="4661373" y="3899510"/>
+            <a:ext cx="0" cy="788613"/>
+          </a:xfrm>
+          <a:prstGeom prst="straightConnector1">
+            <a:avLst/>
+          </a:prstGeom>
+          <a:ln>
+            <a:headEnd type="triangle"/>
+            <a:tailEnd type="triangle"/>
+          </a:ln>
+        </p:spPr>
+        <p:style>
+          <a:lnRef idx="1">
+            <a:schemeClr val="accent1"/>
+          </a:lnRef>
+          <a:fillRef idx="0">
+            <a:schemeClr val="accent1"/>
+          </a:fillRef>
+          <a:effectRef idx="0">
+            <a:schemeClr val="accent1"/>
+          </a:effectRef>
+          <a:fontRef idx="minor">
+            <a:schemeClr val="tx1"/>
+          </a:fontRef>
+        </p:style>
+      </p:cxnSp>
+      <p:cxnSp>
+        <p:nvCxnSpPr>
+          <p:cNvPr id="16" name="Connecteur droit avec flèche 15">
+            <a:extLst>
+              <a:ext uri="{FF2B5EF4-FFF2-40B4-BE49-F238E27FC236}">
+                <a16:creationId xmlns:a16="http://schemas.microsoft.com/office/drawing/2014/main" id="{A8237F04-C432-4BA8-8B7D-C9B720CD9E9E}"/>
+              </a:ext>
+            </a:extLst>
+          </p:cNvPr>
+          <p:cNvCxnSpPr>
+            <a:cxnSpLocks/>
+            <a:stCxn id="6" idx="2"/>
+            <a:endCxn id="9" idx="0"/>
+          </p:cNvCxnSpPr>
+          <p:nvPr/>
+        </p:nvCxnSpPr>
+        <p:spPr>
+          <a:xfrm>
+            <a:off x="4661373" y="3899510"/>
+            <a:ext cx="3267231" cy="788613"/>
+          </a:xfrm>
+          <a:prstGeom prst="straightConnector1">
+            <a:avLst/>
+          </a:prstGeom>
+          <a:ln>
+            <a:headEnd type="triangle"/>
+            <a:tailEnd type="triangle"/>
+          </a:ln>
+        </p:spPr>
+        <p:style>
+          <a:lnRef idx="1">
+            <a:schemeClr val="accent1"/>
+          </a:lnRef>
+          <a:fillRef idx="0">
+            <a:schemeClr val="accent1"/>
+          </a:fillRef>
+          <a:effectRef idx="0">
+            <a:schemeClr val="accent1"/>
+          </a:effectRef>
+          <a:fontRef idx="minor">
+            <a:schemeClr val="tx1"/>
+          </a:fontRef>
+        </p:style>
+      </p:cxnSp>
+      <p:sp>
+        <p:nvSpPr>
+          <p:cNvPr id="22" name="Cylindre 21">
+            <a:extLst>
+              <a:ext uri="{FF2B5EF4-FFF2-40B4-BE49-F238E27FC236}">
+                <a16:creationId xmlns:a16="http://schemas.microsoft.com/office/drawing/2014/main" id="{90FA8AC1-C139-4555-9CD7-C1C2E2121F71}"/>
+              </a:ext>
+            </a:extLst>
+          </p:cNvPr>
+          <p:cNvSpPr/>
+          <p:nvPr/>
+        </p:nvSpPr>
+        <p:spPr>
+          <a:xfrm>
+            <a:off x="7447913" y="5463293"/>
+            <a:ext cx="882556" cy="646675"/>
+          </a:xfrm>
+          <a:prstGeom prst="can">
+            <a:avLst/>
+          </a:prstGeom>
+        </p:spPr>
+        <p:style>
+          <a:lnRef idx="2">
+            <a:schemeClr val="accent1">
+              <a:shade val="50000"/>
+            </a:schemeClr>
+          </a:lnRef>
+          <a:fillRef idx="1">
+            <a:schemeClr val="accent1"/>
+          </a:fillRef>
+          <a:effectRef idx="0">
+            <a:schemeClr val="accent1"/>
+          </a:effectRef>
+          <a:fontRef idx="minor">
+            <a:schemeClr val="lt1"/>
+          </a:fontRef>
+        </p:style>
+        <p:txBody>
+          <a:bodyPr rtlCol="0" anchor="ctr"/>
+          <a:lstStyle/>
+          <a:p>
+            <a:pPr algn="ctr"/>
+            <a:r>
+              <a:rPr lang="fr-FR" dirty="0"/>
+              <a:t>SQL </a:t>
+            </a:r>
+            <a:r>
+              <a:rPr lang="fr-FR" dirty="0" err="1"/>
+              <a:t>Db</a:t>
+            </a:r>
+            <a:endParaRPr lang="fr-FR" dirty="0"/>
+          </a:p>
+        </p:txBody>
+      </p:sp>
+      <p:sp>
+        <p:nvSpPr>
+          <p:cNvPr id="23" name="Organigramme : Document 22">
+            <a:extLst>
+              <a:ext uri="{FF2B5EF4-FFF2-40B4-BE49-F238E27FC236}">
+                <a16:creationId xmlns:a16="http://schemas.microsoft.com/office/drawing/2014/main" id="{B9ECB7FE-91E0-4FAA-93C4-9CE2F6000A4E}"/>
+              </a:ext>
+            </a:extLst>
+          </p:cNvPr>
+          <p:cNvSpPr/>
+          <p:nvPr/>
+        </p:nvSpPr>
+        <p:spPr>
+          <a:xfrm>
+            <a:off x="4204172" y="5441112"/>
+            <a:ext cx="914400" cy="612648"/>
+          </a:xfrm>
+          <a:prstGeom prst="flowChartDocument">
+            <a:avLst/>
+          </a:prstGeom>
+        </p:spPr>
+        <p:style>
+          <a:lnRef idx="2">
+            <a:schemeClr val="accent1">
+              <a:shade val="50000"/>
+            </a:schemeClr>
+          </a:lnRef>
+          <a:fillRef idx="1">
+            <a:schemeClr val="accent1"/>
+          </a:fillRef>
+          <a:effectRef idx="0">
+            <a:schemeClr val="accent1"/>
+          </a:effectRef>
+          <a:fontRef idx="minor">
+            <a:schemeClr val="lt1"/>
+          </a:fontRef>
+        </p:style>
+        <p:txBody>
+          <a:bodyPr rtlCol="0" anchor="ctr"/>
+          <a:lstStyle/>
+          <a:p>
+            <a:pPr algn="ctr"/>
+            <a:r>
+              <a:rPr lang="fr-FR" dirty="0"/>
+              <a:t>CSV</a:t>
+            </a:r>
+          </a:p>
+        </p:txBody>
+      </p:sp>
+      <p:sp>
+        <p:nvSpPr>
+          <p:cNvPr id="24" name="Organigramme : Terminateur 23">
+            <a:extLst>
+              <a:ext uri="{FF2B5EF4-FFF2-40B4-BE49-F238E27FC236}">
+                <a16:creationId xmlns:a16="http://schemas.microsoft.com/office/drawing/2014/main" id="{8D66079C-9900-4F48-9341-B3B33DF1319C}"/>
+              </a:ext>
+            </a:extLst>
+          </p:cNvPr>
+          <p:cNvSpPr/>
+          <p:nvPr/>
+        </p:nvSpPr>
+        <p:spPr>
+          <a:xfrm>
+            <a:off x="1279127" y="5496086"/>
+            <a:ext cx="914400" cy="301752"/>
+          </a:xfrm>
+          <a:prstGeom prst="flowChartTerminator">
+            <a:avLst/>
+          </a:prstGeom>
+        </p:spPr>
+        <p:style>
+          <a:lnRef idx="2">
+            <a:schemeClr val="accent1">
+              <a:shade val="50000"/>
+            </a:schemeClr>
+          </a:lnRef>
+          <a:fillRef idx="1">
+            <a:schemeClr val="accent1"/>
+          </a:fillRef>
+          <a:effectRef idx="0">
+            <a:schemeClr val="accent1"/>
+          </a:effectRef>
+          <a:fontRef idx="minor">
+            <a:schemeClr val="lt1"/>
+          </a:fontRef>
+        </p:style>
+        <p:txBody>
+          <a:bodyPr rtlCol="0" anchor="ctr"/>
+          <a:lstStyle/>
+          <a:p>
+            <a:pPr algn="ctr"/>
+            <a:r>
+              <a:rPr lang="fr-FR" dirty="0"/>
+              <a:t>JSON</a:t>
+            </a:r>
+          </a:p>
+        </p:txBody>
+      </p:sp>
+      <p:cxnSp>
+        <p:nvCxnSpPr>
+          <p:cNvPr id="25" name="Connecteur droit avec flèche 24">
+            <a:extLst>
+              <a:ext uri="{FF2B5EF4-FFF2-40B4-BE49-F238E27FC236}">
+                <a16:creationId xmlns:a16="http://schemas.microsoft.com/office/drawing/2014/main" id="{6F0C7641-81EF-47BF-B97A-CF48C784A68D}"/>
+              </a:ext>
+            </a:extLst>
+          </p:cNvPr>
+          <p:cNvCxnSpPr>
+            <a:cxnSpLocks/>
+            <a:endCxn id="6" idx="0"/>
+          </p:cNvCxnSpPr>
+          <p:nvPr/>
+        </p:nvCxnSpPr>
+        <p:spPr>
+          <a:xfrm>
+            <a:off x="4661372" y="3007051"/>
+            <a:ext cx="1" cy="523127"/>
+          </a:xfrm>
+          <a:prstGeom prst="straightConnector1">
+            <a:avLst/>
+          </a:prstGeom>
+          <a:ln>
+            <a:headEnd type="triangle"/>
+            <a:tailEnd type="triangle"/>
+          </a:ln>
+        </p:spPr>
+        <p:style>
+          <a:lnRef idx="1">
+            <a:schemeClr val="accent1"/>
+          </a:lnRef>
+          <a:fillRef idx="0">
+            <a:schemeClr val="accent1"/>
+          </a:fillRef>
+          <a:effectRef idx="0">
+            <a:schemeClr val="accent1"/>
+          </a:effectRef>
+          <a:fontRef idx="minor">
+            <a:schemeClr val="tx1"/>
+          </a:fontRef>
+        </p:style>
+      </p:cxnSp>
+      <p:cxnSp>
+        <p:nvCxnSpPr>
+          <p:cNvPr id="27" name="Connecteur droit avec flèche 26">
+            <a:extLst>
+              <a:ext uri="{FF2B5EF4-FFF2-40B4-BE49-F238E27FC236}">
+                <a16:creationId xmlns:a16="http://schemas.microsoft.com/office/drawing/2014/main" id="{2E3D6009-4EEE-4A0E-B6F9-53671F0EDDE4}"/>
+              </a:ext>
+            </a:extLst>
+          </p:cNvPr>
+          <p:cNvCxnSpPr>
+            <a:cxnSpLocks/>
+          </p:cNvCxnSpPr>
+          <p:nvPr/>
+        </p:nvCxnSpPr>
+        <p:spPr>
+          <a:xfrm>
+            <a:off x="4661372" y="2099502"/>
+            <a:ext cx="1" cy="523127"/>
+          </a:xfrm>
+          <a:prstGeom prst="straightConnector1">
+            <a:avLst/>
+          </a:prstGeom>
+          <a:ln>
+            <a:headEnd type="triangle"/>
+            <a:tailEnd type="triangle"/>
+          </a:ln>
+        </p:spPr>
+        <p:style>
+          <a:lnRef idx="1">
+            <a:schemeClr val="accent1"/>
+          </a:lnRef>
+          <a:fillRef idx="0">
+            <a:schemeClr val="accent1"/>
+          </a:fillRef>
+          <a:effectRef idx="0">
+            <a:schemeClr val="accent1"/>
+          </a:effectRef>
+          <a:fontRef idx="minor">
+            <a:schemeClr val="tx1"/>
+          </a:fontRef>
+        </p:style>
+      </p:cxnSp>
+      <p:cxnSp>
+        <p:nvCxnSpPr>
+          <p:cNvPr id="28" name="Connecteur droit avec flèche 27">
+            <a:extLst>
+              <a:ext uri="{FF2B5EF4-FFF2-40B4-BE49-F238E27FC236}">
+                <a16:creationId xmlns:a16="http://schemas.microsoft.com/office/drawing/2014/main" id="{61A87B76-7901-419F-8720-9F16F13B60F2}"/>
+              </a:ext>
+            </a:extLst>
+          </p:cNvPr>
+          <p:cNvCxnSpPr>
+            <a:cxnSpLocks/>
+          </p:cNvCxnSpPr>
+          <p:nvPr/>
+        </p:nvCxnSpPr>
+        <p:spPr>
+          <a:xfrm>
+            <a:off x="1736326" y="5061286"/>
+            <a:ext cx="0" cy="363544"/>
+          </a:xfrm>
+          <a:prstGeom prst="straightConnector1">
+            <a:avLst/>
+          </a:prstGeom>
+          <a:ln>
+            <a:headEnd type="triangle"/>
+            <a:tailEnd type="triangle"/>
+          </a:ln>
+        </p:spPr>
+        <p:style>
+          <a:lnRef idx="1">
+            <a:schemeClr val="accent1"/>
+          </a:lnRef>
+          <a:fillRef idx="0">
+            <a:schemeClr val="accent1"/>
+          </a:fillRef>
+          <a:effectRef idx="0">
+            <a:schemeClr val="accent1"/>
+          </a:effectRef>
+          <a:fontRef idx="minor">
+            <a:schemeClr val="tx1"/>
+          </a:fontRef>
+        </p:style>
+      </p:cxnSp>
+      <p:cxnSp>
+        <p:nvCxnSpPr>
+          <p:cNvPr id="30" name="Connecteur droit avec flèche 29">
+            <a:extLst>
+              <a:ext uri="{FF2B5EF4-FFF2-40B4-BE49-F238E27FC236}">
+                <a16:creationId xmlns:a16="http://schemas.microsoft.com/office/drawing/2014/main" id="{5F69C445-13EB-4504-8987-F8D0C7F49DD5}"/>
+              </a:ext>
+            </a:extLst>
+          </p:cNvPr>
+          <p:cNvCxnSpPr>
+            <a:cxnSpLocks/>
+          </p:cNvCxnSpPr>
+          <p:nvPr/>
+        </p:nvCxnSpPr>
+        <p:spPr>
+          <a:xfrm>
+            <a:off x="4661372" y="5004420"/>
+            <a:ext cx="0" cy="363544"/>
+          </a:xfrm>
+          <a:prstGeom prst="straightConnector1">
+            <a:avLst/>
+          </a:prstGeom>
+          <a:ln>
+            <a:headEnd type="triangle"/>
+            <a:tailEnd type="triangle"/>
+          </a:ln>
+        </p:spPr>
+        <p:style>
+          <a:lnRef idx="1">
+            <a:schemeClr val="accent1"/>
+          </a:lnRef>
+          <a:fillRef idx="0">
+            <a:schemeClr val="accent1"/>
+          </a:fillRef>
+          <a:effectRef idx="0">
+            <a:schemeClr val="accent1"/>
+          </a:effectRef>
+          <a:fontRef idx="minor">
+            <a:schemeClr val="tx1"/>
+          </a:fontRef>
+        </p:style>
+      </p:cxnSp>
+      <p:cxnSp>
+        <p:nvCxnSpPr>
+          <p:cNvPr id="31" name="Connecteur droit avec flèche 30">
+            <a:extLst>
+              <a:ext uri="{FF2B5EF4-FFF2-40B4-BE49-F238E27FC236}">
+                <a16:creationId xmlns:a16="http://schemas.microsoft.com/office/drawing/2014/main" id="{15851CA3-125B-4246-977D-B051540E5DBC}"/>
+              </a:ext>
+            </a:extLst>
+          </p:cNvPr>
+          <p:cNvCxnSpPr>
+            <a:cxnSpLocks/>
+          </p:cNvCxnSpPr>
+          <p:nvPr/>
+        </p:nvCxnSpPr>
+        <p:spPr>
+          <a:xfrm>
+            <a:off x="7889191" y="5009012"/>
+            <a:ext cx="0" cy="363544"/>
+          </a:xfrm>
+          <a:prstGeom prst="straightConnector1">
+            <a:avLst/>
+          </a:prstGeom>
+          <a:ln>
+            <a:headEnd type="triangle"/>
+            <a:tailEnd type="triangle"/>
+          </a:ln>
+        </p:spPr>
+        <p:style>
+          <a:lnRef idx="1">
+            <a:schemeClr val="accent1"/>
+          </a:lnRef>
+          <a:fillRef idx="0">
+            <a:schemeClr val="accent1"/>
+          </a:fillRef>
+          <a:effectRef idx="0">
+            <a:schemeClr val="accent1"/>
+          </a:effectRef>
+          <a:fontRef idx="minor">
+            <a:schemeClr val="tx1"/>
+          </a:fontRef>
+        </p:style>
+      </p:cxnSp>
+      <p:sp>
+        <p:nvSpPr>
+          <p:cNvPr id="10" name="Flèche : bas 9">
+            <a:extLst>
+              <a:ext uri="{FF2B5EF4-FFF2-40B4-BE49-F238E27FC236}">
+                <a16:creationId xmlns:a16="http://schemas.microsoft.com/office/drawing/2014/main" id="{0B2CED15-3080-45F4-B1F9-97200DC52C6C}"/>
+              </a:ext>
+            </a:extLst>
+          </p:cNvPr>
+          <p:cNvSpPr/>
+          <p:nvPr/>
+        </p:nvSpPr>
+        <p:spPr>
+          <a:xfrm rot="2755033">
+            <a:off x="6044221" y="2819488"/>
+            <a:ext cx="205466" cy="404884"/>
+          </a:xfrm>
+          <a:prstGeom prst="downArrow">
+            <a:avLst/>
+          </a:prstGeom>
+          <a:solidFill>
+            <a:srgbClr val="C00000"/>
+          </a:solidFill>
+          <a:ln>
+            <a:solidFill>
+              <a:srgbClr val="FF0000"/>
+            </a:solidFill>
+          </a:ln>
+        </p:spPr>
+        <p:style>
+          <a:lnRef idx="2">
+            <a:schemeClr val="accent1">
+              <a:shade val="50000"/>
+            </a:schemeClr>
+          </a:lnRef>
+          <a:fillRef idx="1">
+            <a:schemeClr val="accent1"/>
+          </a:fillRef>
+          <a:effectRef idx="0">
+            <a:schemeClr val="accent1"/>
+          </a:effectRef>
+          <a:fontRef idx="minor">
+            <a:schemeClr val="lt1"/>
+          </a:fontRef>
+        </p:style>
+        <p:txBody>
+          <a:bodyPr rtlCol="0" anchor="ctr"/>
+          <a:lstStyle/>
+          <a:p>
+            <a:pPr algn="ctr"/>
+            <a:endParaRPr lang="fr-FR"/>
+          </a:p>
+        </p:txBody>
+      </p:sp>
+      <p:sp>
+        <p:nvSpPr>
+          <p:cNvPr id="12" name="Rectangle 11">
+            <a:extLst>
+              <a:ext uri="{FF2B5EF4-FFF2-40B4-BE49-F238E27FC236}">
+                <a16:creationId xmlns:a16="http://schemas.microsoft.com/office/drawing/2014/main" id="{43847238-8CF9-44C5-8309-350D432BB750}"/>
+              </a:ext>
+            </a:extLst>
+          </p:cNvPr>
+          <p:cNvSpPr/>
+          <p:nvPr/>
+        </p:nvSpPr>
+        <p:spPr>
+          <a:xfrm>
+            <a:off x="3402842" y="3011219"/>
+            <a:ext cx="2533680" cy="1101955"/>
+          </a:xfrm>
+          <a:prstGeom prst="rect">
+            <a:avLst/>
+          </a:prstGeom>
+          <a:noFill/>
+          <a:ln>
+            <a:solidFill>
+              <a:srgbClr val="FF0000"/>
+            </a:solidFill>
+            <a:prstDash val="sysDash"/>
+          </a:ln>
+        </p:spPr>
+        <p:style>
+          <a:lnRef idx="2">
+            <a:schemeClr val="accent1">
+              <a:shade val="50000"/>
+            </a:schemeClr>
+          </a:lnRef>
+          <a:fillRef idx="1">
+            <a:schemeClr val="accent1"/>
+          </a:fillRef>
+          <a:effectRef idx="0">
+            <a:schemeClr val="accent1"/>
+          </a:effectRef>
+          <a:fontRef idx="minor">
+            <a:schemeClr val="lt1"/>
+          </a:fontRef>
+        </p:style>
+        <p:txBody>
+          <a:bodyPr rtlCol="0" anchor="ctr"/>
+          <a:lstStyle/>
+          <a:p>
+            <a:pPr algn="ctr"/>
+            <a:endParaRPr lang="fr-FR"/>
+          </a:p>
+        </p:txBody>
+      </p:sp>
+    </p:spTree>
+    <p:extLst>
+      <p:ext uri="{BB962C8B-B14F-4D97-AF65-F5344CB8AC3E}">
+        <p14:creationId xmlns:p14="http://schemas.microsoft.com/office/powerpoint/2010/main" val="576731800"/>
       </p:ext>
     </p:extLst>
   </p:cSld>
